--- a/21 - Análise do Ciclo de Vida.pptx
+++ b/21 - Análise do Ciclo de Vida.pptx
@@ -6,6 +6,7 @@
   </p:sldMasterIdLst>
   <p:sldIdLst>
     <p:sldId id="256" r:id="rId2"/>
+    <p:sldId id="257" r:id="rId3"/>
   </p:sldIdLst>
   <p:sldSz cx="12192000" cy="6858000"/>
   <p:notesSz cx="6858000" cy="9144000"/>
@@ -104,6 +105,11 @@
       </a:defRPr>
     </a:lvl9pPr>
   </p:defaultTextStyle>
+  <p:extLst>
+    <p:ext uri="{EFAFB233-063F-42B5-8137-9DF3F51BA10A}">
+      <p15:sldGuideLst xmlns:p15="http://schemas.microsoft.com/office/powerpoint/2012/main"/>
+    </p:ext>
+  </p:extLst>
 </p:presentation>
 </file>
 
@@ -238,7 +244,7 @@
           <a:p>
             <a:fld id="{9C4CD2B1-1E42-4D78-8B25-56E1CBBA15A1}" type="datetimeFigureOut">
               <a:rPr lang="pt-BR" smtClean="0"/>
-              <a:t>18/09/2020</a:t>
+              <a:t>09/10/2020</a:t>
             </a:fld>
             <a:endParaRPr lang="pt-BR"/>
           </a:p>
@@ -408,7 +414,7 @@
           <a:p>
             <a:fld id="{9C4CD2B1-1E42-4D78-8B25-56E1CBBA15A1}" type="datetimeFigureOut">
               <a:rPr lang="pt-BR" smtClean="0"/>
-              <a:t>18/09/2020</a:t>
+              <a:t>09/10/2020</a:t>
             </a:fld>
             <a:endParaRPr lang="pt-BR"/>
           </a:p>
@@ -588,7 +594,7 @@
           <a:p>
             <a:fld id="{9C4CD2B1-1E42-4D78-8B25-56E1CBBA15A1}" type="datetimeFigureOut">
               <a:rPr lang="pt-BR" smtClean="0"/>
-              <a:t>18/09/2020</a:t>
+              <a:t>09/10/2020</a:t>
             </a:fld>
             <a:endParaRPr lang="pt-BR"/>
           </a:p>
@@ -758,7 +764,7 @@
           <a:p>
             <a:fld id="{9C4CD2B1-1E42-4D78-8B25-56E1CBBA15A1}" type="datetimeFigureOut">
               <a:rPr lang="pt-BR" smtClean="0"/>
-              <a:t>18/09/2020</a:t>
+              <a:t>09/10/2020</a:t>
             </a:fld>
             <a:endParaRPr lang="pt-BR"/>
           </a:p>
@@ -1004,7 +1010,7 @@
           <a:p>
             <a:fld id="{9C4CD2B1-1E42-4D78-8B25-56E1CBBA15A1}" type="datetimeFigureOut">
               <a:rPr lang="pt-BR" smtClean="0"/>
-              <a:t>18/09/2020</a:t>
+              <a:t>09/10/2020</a:t>
             </a:fld>
             <a:endParaRPr lang="pt-BR"/>
           </a:p>
@@ -1236,7 +1242,7 @@
           <a:p>
             <a:fld id="{9C4CD2B1-1E42-4D78-8B25-56E1CBBA15A1}" type="datetimeFigureOut">
               <a:rPr lang="pt-BR" smtClean="0"/>
-              <a:t>18/09/2020</a:t>
+              <a:t>09/10/2020</a:t>
             </a:fld>
             <a:endParaRPr lang="pt-BR"/>
           </a:p>
@@ -1603,7 +1609,7 @@
           <a:p>
             <a:fld id="{9C4CD2B1-1E42-4D78-8B25-56E1CBBA15A1}" type="datetimeFigureOut">
               <a:rPr lang="pt-BR" smtClean="0"/>
-              <a:t>18/09/2020</a:t>
+              <a:t>09/10/2020</a:t>
             </a:fld>
             <a:endParaRPr lang="pt-BR"/>
           </a:p>
@@ -1721,7 +1727,7 @@
           <a:p>
             <a:fld id="{9C4CD2B1-1E42-4D78-8B25-56E1CBBA15A1}" type="datetimeFigureOut">
               <a:rPr lang="pt-BR" smtClean="0"/>
-              <a:t>18/09/2020</a:t>
+              <a:t>09/10/2020</a:t>
             </a:fld>
             <a:endParaRPr lang="pt-BR"/>
           </a:p>
@@ -1816,7 +1822,7 @@
           <a:p>
             <a:fld id="{9C4CD2B1-1E42-4D78-8B25-56E1CBBA15A1}" type="datetimeFigureOut">
               <a:rPr lang="pt-BR" smtClean="0"/>
-              <a:t>18/09/2020</a:t>
+              <a:t>09/10/2020</a:t>
             </a:fld>
             <a:endParaRPr lang="pt-BR"/>
           </a:p>
@@ -2093,7 +2099,7 @@
           <a:p>
             <a:fld id="{9C4CD2B1-1E42-4D78-8B25-56E1CBBA15A1}" type="datetimeFigureOut">
               <a:rPr lang="pt-BR" smtClean="0"/>
-              <a:t>18/09/2020</a:t>
+              <a:t>09/10/2020</a:t>
             </a:fld>
             <a:endParaRPr lang="pt-BR"/>
           </a:p>
@@ -2346,7 +2352,7 @@
           <a:p>
             <a:fld id="{9C4CD2B1-1E42-4D78-8B25-56E1CBBA15A1}" type="datetimeFigureOut">
               <a:rPr lang="pt-BR" smtClean="0"/>
-              <a:t>18/09/2020</a:t>
+              <a:t>09/10/2020</a:t>
             </a:fld>
             <a:endParaRPr lang="pt-BR"/>
           </a:p>
@@ -2559,7 +2565,7 @@
           <a:p>
             <a:fld id="{9C4CD2B1-1E42-4D78-8B25-56E1CBBA15A1}" type="datetimeFigureOut">
               <a:rPr lang="pt-BR" smtClean="0"/>
-              <a:t>18/09/2020</a:t>
+              <a:t>09/10/2020</a:t>
             </a:fld>
             <a:endParaRPr lang="pt-BR"/>
           </a:p>
@@ -3011,11 +3017,7 @@
           <a:p>
             <a:r>
               <a:rPr lang="pt-BR" dirty="0" smtClean="0"/>
-              <a:t>Ciclo de Vida </a:t>
-            </a:r>
-            <a:r>
-              <a:rPr lang="pt-BR" dirty="0" smtClean="0"/>
-              <a:t>do Pedido</a:t>
+              <a:t>Ciclo de Vida do Pedido</a:t>
             </a:r>
             <a:endParaRPr lang="pt-BR" dirty="0"/>
           </a:p>
@@ -3029,7 +3031,7 @@
         </p:nvSpPr>
         <p:spPr>
           <a:xfrm>
-            <a:off x="674552" y="959375"/>
+            <a:off x="5246554" y="959375"/>
             <a:ext cx="404735" cy="434715"/>
           </a:xfrm>
           <a:prstGeom prst="ellipse">
@@ -3079,7 +3081,7 @@
         </p:nvCxnSpPr>
         <p:spPr>
           <a:xfrm flipH="1">
-            <a:off x="869433" y="1394090"/>
+            <a:off x="5441435" y="1394090"/>
             <a:ext cx="7487" cy="509663"/>
           </a:xfrm>
           <a:prstGeom prst="straightConnector1">
@@ -3115,7 +3117,7 @@
         </p:nvSpPr>
         <p:spPr>
           <a:xfrm>
-            <a:off x="67458" y="1454050"/>
+            <a:off x="4639460" y="1454050"/>
             <a:ext cx="1693889" cy="307777"/>
           </a:xfrm>
           <a:prstGeom prst="rect">
@@ -3150,7 +3152,7 @@
         </p:nvSpPr>
         <p:spPr>
           <a:xfrm>
-            <a:off x="299812" y="2396998"/>
+            <a:off x="4871814" y="1932308"/>
             <a:ext cx="1184222" cy="586049"/>
           </a:xfrm>
           <a:prstGeom prst="roundRect">
@@ -3196,8 +3198,8 @@
         </p:nvSpPr>
         <p:spPr>
           <a:xfrm>
-            <a:off x="14989" y="2383441"/>
-            <a:ext cx="1693889" cy="307777"/>
+            <a:off x="5081661" y="2083642"/>
+            <a:ext cx="704538" cy="311953"/>
           </a:xfrm>
           <a:prstGeom prst="rect">
             <a:avLst/>
@@ -3210,7 +3212,6 @@
           </a:bodyPr>
           <a:lstStyle/>
           <a:p>
-            <a:pPr algn="ctr"/>
             <a:r>
               <a:rPr lang="pt-BR" sz="1400" dirty="0" smtClean="0">
                 <a:latin typeface="Arial" panose="020B0604020202020204" pitchFamily="34" charset="0"/>
@@ -3218,7 +3219,38 @@
               </a:rPr>
               <a:t>aberto</a:t>
             </a:r>
-            <a:endParaRPr lang="pt-BR" sz="1400" dirty="0" smtClean="0">
+          </a:p>
+        </p:txBody>
+      </p:sp>
+      <p:sp>
+        <p:nvSpPr>
+          <p:cNvPr id="53" name="Retângulo 52"/>
+          <p:cNvSpPr/>
+          <p:nvPr/>
+        </p:nvSpPr>
+        <p:spPr>
+          <a:xfrm>
+            <a:off x="4812433" y="2674939"/>
+            <a:ext cx="1975221" cy="307777"/>
+          </a:xfrm>
+          <a:prstGeom prst="rect">
+            <a:avLst/>
+          </a:prstGeom>
+        </p:spPr>
+        <p:txBody>
+          <a:bodyPr wrap="none">
+            <a:spAutoFit/>
+          </a:bodyPr>
+          <a:lstStyle/>
+          <a:p>
+            <a:r>
+              <a:rPr lang="pt-BR" sz="1400" dirty="0" smtClean="0">
+                <a:latin typeface="Arial" panose="020B0604020202020204" pitchFamily="34" charset="0"/>
+                <a:cs typeface="Arial" panose="020B0604020202020204" pitchFamily="34" charset="0"/>
+              </a:rPr>
+              <a:t>Cliente faz pagamento</a:t>
+            </a:r>
+            <a:endParaRPr lang="pt-BR" sz="1400" dirty="0">
               <a:latin typeface="Arial" panose="020B0604020202020204" pitchFamily="34" charset="0"/>
               <a:cs typeface="Arial" panose="020B0604020202020204" pitchFamily="34" charset="0"/>
             </a:endParaRPr>
@@ -3227,14 +3259,14 @@
       </p:sp>
       <p:sp>
         <p:nvSpPr>
-          <p:cNvPr id="22" name="Retângulo de cantos arredondados 21"/>
+          <p:cNvPr id="69" name="Retângulo de cantos arredondados 68"/>
           <p:cNvSpPr/>
           <p:nvPr/>
         </p:nvSpPr>
         <p:spPr>
           <a:xfrm>
-            <a:off x="67458" y="2098623"/>
-            <a:ext cx="9346365" cy="4122295"/>
+            <a:off x="4911646" y="3335995"/>
+            <a:ext cx="1184222" cy="786328"/>
           </a:xfrm>
           <a:prstGeom prst="roundRect">
             <a:avLst/>
@@ -3271,18 +3303,225 @@
           </a:p>
         </p:txBody>
       </p:sp>
+      <p:sp>
+        <p:nvSpPr>
+          <p:cNvPr id="79" name="CaixaDeTexto 78"/>
+          <p:cNvSpPr txBox="1"/>
+          <p:nvPr/>
+        </p:nvSpPr>
+        <p:spPr>
+          <a:xfrm>
+            <a:off x="4630320" y="3322021"/>
+            <a:ext cx="1693889" cy="738664"/>
+          </a:xfrm>
+          <a:prstGeom prst="rect">
+            <a:avLst/>
+          </a:prstGeom>
+          <a:noFill/>
+        </p:spPr>
+        <p:txBody>
+          <a:bodyPr wrap="square" rtlCol="0">
+            <a:spAutoFit/>
+          </a:bodyPr>
+          <a:lstStyle/>
+          <a:p>
+            <a:pPr algn="ctr"/>
+            <a:r>
+              <a:rPr lang="pt-BR" sz="1400" dirty="0" smtClean="0">
+                <a:latin typeface="Arial" panose="020B0604020202020204" pitchFamily="34" charset="0"/>
+                <a:cs typeface="Arial" panose="020B0604020202020204" pitchFamily="34" charset="0"/>
+              </a:rPr>
+              <a:t>Tipo</a:t>
+            </a:r>
+          </a:p>
+          <a:p>
+            <a:pPr algn="ctr"/>
+            <a:r>
+              <a:rPr lang="pt-BR" sz="1400" dirty="0" smtClean="0">
+                <a:latin typeface="Arial" panose="020B0604020202020204" pitchFamily="34" charset="0"/>
+                <a:cs typeface="Arial" panose="020B0604020202020204" pitchFamily="34" charset="0"/>
+              </a:rPr>
+              <a:t>de</a:t>
+            </a:r>
+          </a:p>
+          <a:p>
+            <a:pPr algn="ctr"/>
+            <a:r>
+              <a:rPr lang="pt-BR" sz="1400" dirty="0" smtClean="0">
+                <a:latin typeface="Arial" panose="020B0604020202020204" pitchFamily="34" charset="0"/>
+                <a:cs typeface="Arial" panose="020B0604020202020204" pitchFamily="34" charset="0"/>
+              </a:rPr>
+              <a:t>Pagamento</a:t>
+            </a:r>
+          </a:p>
+        </p:txBody>
+      </p:sp>
+      <p:sp>
+        <p:nvSpPr>
+          <p:cNvPr id="87" name="Fluxograma: Decisão 86"/>
+          <p:cNvSpPr/>
+          <p:nvPr/>
+        </p:nvSpPr>
+        <p:spPr>
+          <a:xfrm>
+            <a:off x="5410083" y="4748515"/>
+            <a:ext cx="194872" cy="293024"/>
+          </a:xfrm>
+          <a:prstGeom prst="flowChartDecision">
+            <a:avLst/>
+          </a:prstGeom>
+          <a:noFill/>
+          <a:ln>
+            <a:solidFill>
+              <a:schemeClr val="tx1"/>
+            </a:solidFill>
+          </a:ln>
+        </p:spPr>
+        <p:style>
+          <a:lnRef idx="2">
+            <a:schemeClr val="accent1">
+              <a:shade val="50000"/>
+            </a:schemeClr>
+          </a:lnRef>
+          <a:fillRef idx="1">
+            <a:schemeClr val="accent1"/>
+          </a:fillRef>
+          <a:effectRef idx="0">
+            <a:schemeClr val="accent1"/>
+          </a:effectRef>
+          <a:fontRef idx="minor">
+            <a:schemeClr val="lt1"/>
+          </a:fontRef>
+        </p:style>
+        <p:txBody>
+          <a:bodyPr rtlCol="0" anchor="ctr"/>
+          <a:lstStyle/>
+          <a:p>
+            <a:pPr algn="ctr"/>
+            <a:r>
+              <a:rPr lang="pt-BR" dirty="0" smtClean="0"/>
+              <a:t>v</a:t>
+            </a:r>
+            <a:endParaRPr lang="pt-BR" dirty="0"/>
+          </a:p>
+        </p:txBody>
+      </p:sp>
+      <p:sp>
+        <p:nvSpPr>
+          <p:cNvPr id="103" name="Retângulo 102"/>
+          <p:cNvSpPr/>
+          <p:nvPr/>
+        </p:nvSpPr>
+        <p:spPr>
+          <a:xfrm>
+            <a:off x="3636751" y="4172137"/>
+            <a:ext cx="1128835" cy="738664"/>
+          </a:xfrm>
+          <a:prstGeom prst="rect">
+            <a:avLst/>
+          </a:prstGeom>
+        </p:spPr>
+        <p:txBody>
+          <a:bodyPr wrap="none">
+            <a:spAutoFit/>
+          </a:bodyPr>
+          <a:lstStyle/>
+          <a:p>
+            <a:r>
+              <a:rPr lang="pt-BR" sz="1400" dirty="0" smtClean="0">
+                <a:latin typeface="Arial" panose="020B0604020202020204" pitchFamily="34" charset="0"/>
+                <a:cs typeface="Arial" panose="020B0604020202020204" pitchFamily="34" charset="0"/>
+              </a:rPr>
+              <a:t>Cliente faz </a:t>
+            </a:r>
+          </a:p>
+          <a:p>
+            <a:r>
+              <a:rPr lang="pt-BR" sz="1400" dirty="0" smtClean="0">
+                <a:latin typeface="Arial" panose="020B0604020202020204" pitchFamily="34" charset="0"/>
+                <a:cs typeface="Arial" panose="020B0604020202020204" pitchFamily="34" charset="0"/>
+              </a:rPr>
+              <a:t>pagamento </a:t>
+            </a:r>
+          </a:p>
+          <a:p>
+            <a:r>
+              <a:rPr lang="pt-BR" sz="1400" dirty="0" smtClean="0">
+                <a:latin typeface="Arial" panose="020B0604020202020204" pitchFamily="34" charset="0"/>
+                <a:cs typeface="Arial" panose="020B0604020202020204" pitchFamily="34" charset="0"/>
+              </a:rPr>
+              <a:t>em dinheiro</a:t>
+            </a:r>
+            <a:endParaRPr lang="pt-BR" sz="1400" dirty="0">
+              <a:latin typeface="Arial" panose="020B0604020202020204" pitchFamily="34" charset="0"/>
+              <a:cs typeface="Arial" panose="020B0604020202020204" pitchFamily="34" charset="0"/>
+            </a:endParaRPr>
+          </a:p>
+        </p:txBody>
+      </p:sp>
+      <p:sp>
+        <p:nvSpPr>
+          <p:cNvPr id="105" name="Retângulo 104"/>
+          <p:cNvSpPr/>
+          <p:nvPr/>
+        </p:nvSpPr>
+        <p:spPr>
+          <a:xfrm>
+            <a:off x="6374190" y="4214609"/>
+            <a:ext cx="1128835" cy="738664"/>
+          </a:xfrm>
+          <a:prstGeom prst="rect">
+            <a:avLst/>
+          </a:prstGeom>
+        </p:spPr>
+        <p:txBody>
+          <a:bodyPr wrap="none">
+            <a:spAutoFit/>
+          </a:bodyPr>
+          <a:lstStyle/>
+          <a:p>
+            <a:r>
+              <a:rPr lang="pt-BR" sz="1400" dirty="0" smtClean="0">
+                <a:latin typeface="Arial" panose="020B0604020202020204" pitchFamily="34" charset="0"/>
+                <a:cs typeface="Arial" panose="020B0604020202020204" pitchFamily="34" charset="0"/>
+              </a:rPr>
+              <a:t>Cliente faz </a:t>
+            </a:r>
+          </a:p>
+          <a:p>
+            <a:r>
+              <a:rPr lang="pt-BR" sz="1400" dirty="0" smtClean="0">
+                <a:latin typeface="Arial" panose="020B0604020202020204" pitchFamily="34" charset="0"/>
+                <a:cs typeface="Arial" panose="020B0604020202020204" pitchFamily="34" charset="0"/>
+              </a:rPr>
+              <a:t>pagamento </a:t>
+            </a:r>
+          </a:p>
+          <a:p>
+            <a:r>
+              <a:rPr lang="pt-BR" sz="1400" dirty="0" smtClean="0">
+                <a:latin typeface="Arial" panose="020B0604020202020204" pitchFamily="34" charset="0"/>
+                <a:cs typeface="Arial" panose="020B0604020202020204" pitchFamily="34" charset="0"/>
+              </a:rPr>
+              <a:t>com cartão</a:t>
+            </a:r>
+            <a:endParaRPr lang="pt-BR" sz="1400" dirty="0">
+              <a:latin typeface="Arial" panose="020B0604020202020204" pitchFamily="34" charset="0"/>
+              <a:cs typeface="Arial" panose="020B0604020202020204" pitchFamily="34" charset="0"/>
+            </a:endParaRPr>
+          </a:p>
+        </p:txBody>
+      </p:sp>
       <p:cxnSp>
         <p:nvCxnSpPr>
-          <p:cNvPr id="27" name="Conector de seta reta 26"/>
-          <p:cNvCxnSpPr>
-            <a:endCxn id="46" idx="2"/>
-          </p:cNvCxnSpPr>
+          <p:cNvPr id="112" name="Conector de seta reta 111"/>
+          <p:cNvCxnSpPr/>
           <p:nvPr/>
         </p:nvCxnSpPr>
         <p:spPr>
-          <a:xfrm>
-            <a:off x="9413823" y="5501390"/>
-            <a:ext cx="1903749" cy="14990"/>
+          <a:xfrm flipH="1">
+            <a:off x="5507519" y="5925022"/>
+            <a:ext cx="12495" cy="259286"/>
           </a:xfrm>
           <a:prstGeom prst="straightConnector1">
             <a:avLst/>
@@ -3311,13 +3550,130 @@
       </p:cxnSp>
       <p:sp>
         <p:nvSpPr>
-          <p:cNvPr id="46" name="Elipse 45"/>
+          <p:cNvPr id="113" name="Retângulo de cantos arredondados 112"/>
           <p:cNvSpPr/>
           <p:nvPr/>
         </p:nvSpPr>
         <p:spPr>
           <a:xfrm>
-            <a:off x="11317572" y="5299022"/>
+            <a:off x="4899886" y="6165496"/>
+            <a:ext cx="1184222" cy="406746"/>
+          </a:xfrm>
+          <a:prstGeom prst="roundRect">
+            <a:avLst/>
+          </a:prstGeom>
+          <a:noFill/>
+          <a:ln>
+            <a:solidFill>
+              <a:schemeClr val="tx1"/>
+            </a:solidFill>
+          </a:ln>
+        </p:spPr>
+        <p:style>
+          <a:lnRef idx="2">
+            <a:schemeClr val="accent1">
+              <a:shade val="50000"/>
+            </a:schemeClr>
+          </a:lnRef>
+          <a:fillRef idx="1">
+            <a:schemeClr val="accent1"/>
+          </a:fillRef>
+          <a:effectRef idx="0">
+            <a:schemeClr val="accent1"/>
+          </a:effectRef>
+          <a:fontRef idx="minor">
+            <a:schemeClr val="lt1"/>
+          </a:fontRef>
+        </p:style>
+        <p:txBody>
+          <a:bodyPr rtlCol="0" anchor="ctr"/>
+          <a:lstStyle/>
+          <a:p>
+            <a:pPr algn="ctr"/>
+            <a:endParaRPr lang="pt-BR"/>
+          </a:p>
+        </p:txBody>
+      </p:sp>
+      <p:sp>
+        <p:nvSpPr>
+          <p:cNvPr id="115" name="CaixaDeTexto 114"/>
+          <p:cNvSpPr txBox="1"/>
+          <p:nvPr/>
+        </p:nvSpPr>
+        <p:spPr>
+          <a:xfrm>
+            <a:off x="4616980" y="6156397"/>
+            <a:ext cx="1693889" cy="307777"/>
+          </a:xfrm>
+          <a:prstGeom prst="rect">
+            <a:avLst/>
+          </a:prstGeom>
+          <a:noFill/>
+        </p:spPr>
+        <p:txBody>
+          <a:bodyPr wrap="square" rtlCol="0">
+            <a:spAutoFit/>
+          </a:bodyPr>
+          <a:lstStyle/>
+          <a:p>
+            <a:pPr algn="ctr"/>
+            <a:r>
+              <a:rPr lang="pt-BR" sz="1400" dirty="0" smtClean="0">
+                <a:latin typeface="Arial" panose="020B0604020202020204" pitchFamily="34" charset="0"/>
+                <a:cs typeface="Arial" panose="020B0604020202020204" pitchFamily="34" charset="0"/>
+              </a:rPr>
+              <a:t>Concluído</a:t>
+            </a:r>
+          </a:p>
+        </p:txBody>
+      </p:sp>
+      <p:cxnSp>
+        <p:nvCxnSpPr>
+          <p:cNvPr id="117" name="Conector de seta reta 116"/>
+          <p:cNvCxnSpPr>
+            <a:endCxn id="118" idx="2"/>
+          </p:cNvCxnSpPr>
+          <p:nvPr/>
+        </p:nvCxnSpPr>
+        <p:spPr>
+          <a:xfrm>
+            <a:off x="6095868" y="6368869"/>
+            <a:ext cx="3410393" cy="13985"/>
+          </a:xfrm>
+          <a:prstGeom prst="straightConnector1">
+            <a:avLst/>
+          </a:prstGeom>
+          <a:ln>
+            <a:solidFill>
+              <a:schemeClr val="tx1"/>
+            </a:solidFill>
+            <a:tailEnd type="triangle"/>
+          </a:ln>
+        </p:spPr>
+        <p:style>
+          <a:lnRef idx="1">
+            <a:schemeClr val="accent1"/>
+          </a:lnRef>
+          <a:fillRef idx="0">
+            <a:schemeClr val="accent1"/>
+          </a:fillRef>
+          <a:effectRef idx="0">
+            <a:schemeClr val="accent1"/>
+          </a:effectRef>
+          <a:fontRef idx="minor">
+            <a:schemeClr val="tx1"/>
+          </a:fontRef>
+        </p:style>
+      </p:cxnSp>
+      <p:sp>
+        <p:nvSpPr>
+          <p:cNvPr id="118" name="Elipse 117"/>
+          <p:cNvSpPr/>
+          <p:nvPr/>
+        </p:nvSpPr>
+        <p:spPr>
+          <a:xfrm>
+            <a:off x="9506261" y="6165496"/>
             <a:ext cx="404735" cy="434715"/>
           </a:xfrm>
           <a:prstGeom prst="ellipse">
@@ -3359,13 +3715,13 @@
       </p:sp>
       <p:sp>
         <p:nvSpPr>
-          <p:cNvPr id="47" name="Elipse 46"/>
+          <p:cNvPr id="119" name="Elipse 118"/>
           <p:cNvSpPr/>
           <p:nvPr/>
         </p:nvSpPr>
         <p:spPr>
           <a:xfrm>
-            <a:off x="11411939" y="5408379"/>
+            <a:off x="9600628" y="6274853"/>
             <a:ext cx="216000" cy="216000"/>
           </a:xfrm>
           <a:prstGeom prst="ellipse">
@@ -3407,14 +3763,14 @@
       </p:sp>
       <p:sp>
         <p:nvSpPr>
-          <p:cNvPr id="48" name="CaixaDeTexto 47"/>
+          <p:cNvPr id="120" name="CaixaDeTexto 119"/>
           <p:cNvSpPr txBox="1"/>
           <p:nvPr/>
         </p:nvSpPr>
         <p:spPr>
           <a:xfrm>
-            <a:off x="9394405" y="5100602"/>
-            <a:ext cx="2098624" cy="307777"/>
+            <a:off x="4259707" y="5844559"/>
+            <a:ext cx="2753183" cy="307777"/>
           </a:xfrm>
           <a:prstGeom prst="rect">
             <a:avLst/>
@@ -3427,29 +3783,62 @@
           </a:bodyPr>
           <a:lstStyle/>
           <a:p>
+            <a:pPr algn="ctr"/>
             <a:r>
               <a:rPr lang="pt-BR" sz="1400" dirty="0" smtClean="0">
                 <a:latin typeface="Arial" panose="020B0604020202020204" pitchFamily="34" charset="0"/>
                 <a:cs typeface="Arial" panose="020B0604020202020204" pitchFamily="34" charset="0"/>
               </a:rPr>
-              <a:t>Cliente cancela pedido</a:t>
-            </a:r>
-            <a:endParaRPr lang="pt-BR" sz="1400" dirty="0"/>
+              <a:t>Atendimento entrega produto</a:t>
+            </a:r>
+          </a:p>
+        </p:txBody>
+      </p:sp>
+      <p:sp>
+        <p:nvSpPr>
+          <p:cNvPr id="121" name="CaixaDeTexto 120"/>
+          <p:cNvSpPr txBox="1"/>
+          <p:nvPr/>
+        </p:nvSpPr>
+        <p:spPr>
+          <a:xfrm>
+            <a:off x="8902779" y="6586227"/>
+            <a:ext cx="1611698" cy="307777"/>
+          </a:xfrm>
+          <a:prstGeom prst="rect">
+            <a:avLst/>
+          </a:prstGeom>
+          <a:noFill/>
+        </p:spPr>
+        <p:txBody>
+          <a:bodyPr wrap="square" rtlCol="0">
+            <a:spAutoFit/>
+          </a:bodyPr>
+          <a:lstStyle/>
+          <a:p>
+            <a:pPr algn="ctr"/>
+            <a:r>
+              <a:rPr lang="pt-BR" sz="1400" dirty="0" smtClean="0">
+                <a:latin typeface="Arial" panose="020B0604020202020204" pitchFamily="34" charset="0"/>
+                <a:cs typeface="Arial" panose="020B0604020202020204" pitchFamily="34" charset="0"/>
+              </a:rPr>
+              <a:t>Finalizado</a:t>
+            </a:r>
           </a:p>
         </p:txBody>
       </p:sp>
       <p:cxnSp>
         <p:nvCxnSpPr>
-          <p:cNvPr id="50" name="Conector de seta reta 49"/>
+          <p:cNvPr id="5" name="Conector de seta reta 4"/>
           <p:cNvCxnSpPr>
-            <a:endCxn id="51" idx="1"/>
+            <a:stCxn id="19" idx="2"/>
           </p:cNvCxnSpPr>
           <p:nvPr/>
         </p:nvCxnSpPr>
         <p:spPr>
           <a:xfrm>
-            <a:off x="1484034" y="2690023"/>
-            <a:ext cx="1843784" cy="11601"/>
+            <a:off x="5463925" y="2518357"/>
+            <a:ext cx="0" cy="792063"/>
           </a:xfrm>
           <a:prstGeom prst="straightConnector1">
             <a:avLst/>
@@ -3478,16 +3867,16 @@
       </p:cxnSp>
       <p:sp>
         <p:nvSpPr>
-          <p:cNvPr id="51" name="Fluxograma: Decisão 50"/>
+          <p:cNvPr id="54" name="Retângulo de cantos arredondados 53"/>
           <p:cNvSpPr/>
           <p:nvPr/>
         </p:nvSpPr>
         <p:spPr>
           <a:xfrm>
-            <a:off x="3327818" y="2555112"/>
-            <a:ext cx="194872" cy="293024"/>
-          </a:xfrm>
-          <a:prstGeom prst="flowChartDecision">
+            <a:off x="4898899" y="5319899"/>
+            <a:ext cx="1184222" cy="586049"/>
+          </a:xfrm>
+          <a:prstGeom prst="roundRect">
             <a:avLst/>
           </a:prstGeom>
           <a:noFill/>
@@ -3518,234 +3907,61 @@
           <a:lstStyle/>
           <a:p>
             <a:pPr algn="ctr"/>
-            <a:r>
-              <a:rPr lang="pt-BR" dirty="0" smtClean="0"/>
-              <a:t>v</a:t>
-            </a:r>
-            <a:endParaRPr lang="pt-BR" dirty="0"/>
-          </a:p>
-        </p:txBody>
-      </p:sp>
-      <p:sp>
-        <p:nvSpPr>
-          <p:cNvPr id="53" name="Retângulo 52"/>
-          <p:cNvSpPr/>
+            <a:endParaRPr lang="pt-BR"/>
+          </a:p>
+        </p:txBody>
+      </p:sp>
+      <p:sp>
+        <p:nvSpPr>
+          <p:cNvPr id="55" name="CaixaDeTexto 54"/>
+          <p:cNvSpPr txBox="1"/>
           <p:nvPr/>
         </p:nvSpPr>
         <p:spPr>
           <a:xfrm>
-            <a:off x="1637967" y="2363069"/>
-            <a:ext cx="1617751" cy="307777"/>
+            <a:off x="5022131" y="5438889"/>
+            <a:ext cx="911048" cy="307777"/>
           </a:xfrm>
           <a:prstGeom prst="rect">
             <a:avLst/>
           </a:prstGeom>
-        </p:spPr>
-        <p:txBody>
-          <a:bodyPr wrap="none">
+          <a:noFill/>
+        </p:spPr>
+        <p:txBody>
+          <a:bodyPr wrap="square" rtlCol="0">
             <a:spAutoFit/>
           </a:bodyPr>
           <a:lstStyle/>
           <a:p>
+            <a:pPr algn="ctr"/>
             <a:r>
               <a:rPr lang="pt-BR" sz="1400" dirty="0" smtClean="0">
                 <a:latin typeface="Arial" panose="020B0604020202020204" pitchFamily="34" charset="0"/>
                 <a:cs typeface="Arial" panose="020B0604020202020204" pitchFamily="34" charset="0"/>
               </a:rPr>
-              <a:t>Cliente faz pedido</a:t>
-            </a:r>
-            <a:endParaRPr lang="pt-BR" sz="1400" dirty="0">
-              <a:latin typeface="Arial" panose="020B0604020202020204" pitchFamily="34" charset="0"/>
-              <a:cs typeface="Arial" panose="020B0604020202020204" pitchFamily="34" charset="0"/>
-            </a:endParaRPr>
-          </a:p>
-        </p:txBody>
-      </p:sp>
-      <p:sp>
-        <p:nvSpPr>
-          <p:cNvPr id="59" name="Retângulo de cantos arredondados 58"/>
-          <p:cNvSpPr/>
-          <p:nvPr/>
-        </p:nvSpPr>
-        <p:spPr>
-          <a:xfrm>
-            <a:off x="5970821" y="3105232"/>
-            <a:ext cx="1184222" cy="586049"/>
-          </a:xfrm>
-          <a:prstGeom prst="roundRect">
-            <a:avLst/>
-          </a:prstGeom>
-          <a:noFill/>
-          <a:ln>
-            <a:solidFill>
-              <a:schemeClr val="tx1"/>
-            </a:solidFill>
-          </a:ln>
-        </p:spPr>
-        <p:style>
-          <a:lnRef idx="2">
-            <a:schemeClr val="accent1">
-              <a:shade val="50000"/>
-            </a:schemeClr>
-          </a:lnRef>
-          <a:fillRef idx="1">
-            <a:schemeClr val="accent1"/>
-          </a:fillRef>
-          <a:effectRef idx="0">
-            <a:schemeClr val="accent1"/>
-          </a:effectRef>
-          <a:fontRef idx="minor">
-            <a:schemeClr val="lt1"/>
-          </a:fontRef>
-        </p:style>
-        <p:txBody>
-          <a:bodyPr rtlCol="0" anchor="ctr"/>
-          <a:lstStyle/>
-          <a:p>
-            <a:pPr algn="ctr"/>
-            <a:endParaRPr lang="pt-BR"/>
-          </a:p>
-        </p:txBody>
-      </p:sp>
-      <p:sp>
-        <p:nvSpPr>
-          <p:cNvPr id="61" name="Retângulo 60"/>
-          <p:cNvSpPr/>
-          <p:nvPr/>
-        </p:nvSpPr>
-        <p:spPr>
-          <a:xfrm>
-            <a:off x="4941505" y="2721437"/>
-            <a:ext cx="1369286" cy="523220"/>
-          </a:xfrm>
-          <a:prstGeom prst="rect">
-            <a:avLst/>
-          </a:prstGeom>
-        </p:spPr>
-        <p:txBody>
-          <a:bodyPr wrap="none">
-            <a:spAutoFit/>
-          </a:bodyPr>
-          <a:lstStyle/>
-          <a:p>
-            <a:r>
-              <a:rPr lang="pt-BR" sz="1400" dirty="0" smtClean="0">
-                <a:latin typeface="Arial" panose="020B0604020202020204" pitchFamily="34" charset="0"/>
-                <a:cs typeface="Arial" panose="020B0604020202020204" pitchFamily="34" charset="0"/>
-              </a:rPr>
-              <a:t>Cliente realiza </a:t>
-            </a:r>
-          </a:p>
-          <a:p>
-            <a:r>
-              <a:rPr lang="pt-BR" sz="1400" dirty="0" smtClean="0">
-                <a:latin typeface="Arial" panose="020B0604020202020204" pitchFamily="34" charset="0"/>
-                <a:cs typeface="Arial" panose="020B0604020202020204" pitchFamily="34" charset="0"/>
-              </a:rPr>
-              <a:t>encomenda</a:t>
-            </a:r>
-            <a:endParaRPr lang="pt-BR" sz="1400" dirty="0">
-              <a:latin typeface="Arial" panose="020B0604020202020204" pitchFamily="34" charset="0"/>
-              <a:cs typeface="Arial" panose="020B0604020202020204" pitchFamily="34" charset="0"/>
-            </a:endParaRPr>
-          </a:p>
-        </p:txBody>
-      </p:sp>
-      <p:sp>
-        <p:nvSpPr>
-          <p:cNvPr id="64" name="CaixaDeTexto 63"/>
-          <p:cNvSpPr txBox="1"/>
-          <p:nvPr/>
-        </p:nvSpPr>
-        <p:spPr>
-          <a:xfrm>
-            <a:off x="5715987" y="3081676"/>
-            <a:ext cx="1693889" cy="307777"/>
-          </a:xfrm>
-          <a:prstGeom prst="rect">
-            <a:avLst/>
-          </a:prstGeom>
-          <a:noFill/>
-        </p:spPr>
-        <p:txBody>
-          <a:bodyPr wrap="square" rtlCol="0">
-            <a:spAutoFit/>
-          </a:bodyPr>
-          <a:lstStyle/>
-          <a:p>
-            <a:pPr algn="ctr"/>
-            <a:r>
-              <a:rPr lang="pt-BR" sz="1400" dirty="0" smtClean="0">
-                <a:latin typeface="Arial" panose="020B0604020202020204" pitchFamily="34" charset="0"/>
-                <a:cs typeface="Arial" panose="020B0604020202020204" pitchFamily="34" charset="0"/>
-              </a:rPr>
-              <a:t>encomenda</a:t>
-            </a:r>
-          </a:p>
-        </p:txBody>
-      </p:sp>
-      <p:sp>
-        <p:nvSpPr>
-          <p:cNvPr id="69" name="Retângulo de cantos arredondados 68"/>
-          <p:cNvSpPr/>
-          <p:nvPr/>
-        </p:nvSpPr>
-        <p:spPr>
-          <a:xfrm>
-            <a:off x="2821901" y="3772704"/>
-            <a:ext cx="1184222" cy="586049"/>
-          </a:xfrm>
-          <a:prstGeom prst="roundRect">
-            <a:avLst/>
-          </a:prstGeom>
-          <a:noFill/>
-          <a:ln>
-            <a:solidFill>
-              <a:schemeClr val="tx1"/>
-            </a:solidFill>
-          </a:ln>
-        </p:spPr>
-        <p:style>
-          <a:lnRef idx="2">
-            <a:schemeClr val="accent1">
-              <a:shade val="50000"/>
-            </a:schemeClr>
-          </a:lnRef>
-          <a:fillRef idx="1">
-            <a:schemeClr val="accent1"/>
-          </a:fillRef>
-          <a:effectRef idx="0">
-            <a:schemeClr val="accent1"/>
-          </a:effectRef>
-          <a:fontRef idx="minor">
-            <a:schemeClr val="lt1"/>
-          </a:fontRef>
-        </p:style>
-        <p:txBody>
-          <a:bodyPr rtlCol="0" anchor="ctr"/>
-          <a:lstStyle/>
-          <a:p>
-            <a:pPr algn="ctr"/>
-            <a:endParaRPr lang="pt-BR"/>
+              <a:t>pago</a:t>
+            </a:r>
           </a:p>
         </p:txBody>
       </p:sp>
       <p:cxnSp>
         <p:nvCxnSpPr>
-          <p:cNvPr id="74" name="Conector angulado 73"/>
+          <p:cNvPr id="16" name="Conector angulado 15"/>
           <p:cNvCxnSpPr>
-            <a:stCxn id="51" idx="3"/>
-            <a:endCxn id="59" idx="1"/>
+            <a:stCxn id="87" idx="1"/>
+            <a:endCxn id="54" idx="1"/>
           </p:cNvCxnSpPr>
           <p:nvPr/>
         </p:nvCxnSpPr>
         <p:spPr>
-          <a:xfrm>
-            <a:off x="3522690" y="2701624"/>
-            <a:ext cx="2448131" cy="696633"/>
+          <a:xfrm rot="10800000" flipV="1">
+            <a:off x="4898899" y="4895026"/>
+            <a:ext cx="511184" cy="717897"/>
           </a:xfrm>
           <a:prstGeom prst="bentConnector3">
-            <a:avLst/>
+            <a:avLst>
+              <a:gd name="adj1" fmla="val 370518"/>
+            </a:avLst>
           </a:prstGeom>
           <a:ln>
             <a:solidFill>
@@ -3771,98 +3987,22 @@
       </p:cxnSp>
       <p:cxnSp>
         <p:nvCxnSpPr>
-          <p:cNvPr id="76" name="Conector angulado 75"/>
+          <p:cNvPr id="20" name="Conector angulado 19"/>
           <p:cNvCxnSpPr>
-            <a:stCxn id="59" idx="0"/>
-            <a:endCxn id="51" idx="0"/>
+            <a:stCxn id="87" idx="3"/>
+            <a:endCxn id="54" idx="3"/>
           </p:cNvCxnSpPr>
           <p:nvPr/>
         </p:nvCxnSpPr>
         <p:spPr>
-          <a:xfrm rot="16200000" flipV="1">
-            <a:off x="4719033" y="1261333"/>
-            <a:ext cx="550120" cy="3137678"/>
+          <a:xfrm>
+            <a:off x="5604955" y="4895027"/>
+            <a:ext cx="478166" cy="717897"/>
           </a:xfrm>
           <a:prstGeom prst="bentConnector3">
             <a:avLst>
-              <a:gd name="adj1" fmla="val 141555"/>
+              <a:gd name="adj1" fmla="val 389198"/>
             </a:avLst>
-          </a:prstGeom>
-          <a:ln>
-            <a:solidFill>
-              <a:schemeClr val="tx1"/>
-            </a:solidFill>
-            <a:tailEnd type="triangle"/>
-          </a:ln>
-        </p:spPr>
-        <p:style>
-          <a:lnRef idx="1">
-            <a:schemeClr val="accent1"/>
-          </a:lnRef>
-          <a:fillRef idx="0">
-            <a:schemeClr val="accent1"/>
-          </a:fillRef>
-          <a:effectRef idx="0">
-            <a:schemeClr val="accent1"/>
-          </a:effectRef>
-          <a:fontRef idx="minor">
-            <a:schemeClr val="tx1"/>
-          </a:fontRef>
-        </p:style>
-      </p:cxnSp>
-      <p:sp>
-        <p:nvSpPr>
-          <p:cNvPr id="79" name="CaixaDeTexto 78"/>
-          <p:cNvSpPr txBox="1"/>
-          <p:nvPr/>
-        </p:nvSpPr>
-        <p:spPr>
-          <a:xfrm>
-            <a:off x="2585545" y="3758730"/>
-            <a:ext cx="1693889" cy="307777"/>
-          </a:xfrm>
-          <a:prstGeom prst="rect">
-            <a:avLst/>
-          </a:prstGeom>
-          <a:noFill/>
-        </p:spPr>
-        <p:txBody>
-          <a:bodyPr wrap="square" rtlCol="0">
-            <a:spAutoFit/>
-          </a:bodyPr>
-          <a:lstStyle/>
-          <a:p>
-            <a:pPr algn="ctr"/>
-            <a:r>
-              <a:rPr lang="pt-BR" sz="1400" dirty="0" smtClean="0">
-                <a:latin typeface="Arial" panose="020B0604020202020204" pitchFamily="34" charset="0"/>
-                <a:cs typeface="Arial" panose="020B0604020202020204" pitchFamily="34" charset="0"/>
-              </a:rPr>
-              <a:t>Pagamento</a:t>
-            </a:r>
-            <a:endParaRPr lang="pt-BR" sz="1400" dirty="0" smtClean="0">
-              <a:latin typeface="Arial" panose="020B0604020202020204" pitchFamily="34" charset="0"/>
-              <a:cs typeface="Arial" panose="020B0604020202020204" pitchFamily="34" charset="0"/>
-            </a:endParaRPr>
-          </a:p>
-        </p:txBody>
-      </p:sp>
-      <p:cxnSp>
-        <p:nvCxnSpPr>
-          <p:cNvPr id="81" name="Conector de seta reta 80"/>
-          <p:cNvCxnSpPr>
-            <a:stCxn id="51" idx="2"/>
-            <a:endCxn id="69" idx="0"/>
-          </p:cNvCxnSpPr>
-          <p:nvPr/>
-        </p:nvCxnSpPr>
-        <p:spPr>
-          <a:xfrm flipH="1">
-            <a:off x="3414012" y="2848136"/>
-            <a:ext cx="11242" cy="924568"/>
-          </a:xfrm>
-          <a:prstGeom prst="straightConnector1">
-            <a:avLst/>
           </a:prstGeom>
           <a:ln>
             <a:solidFill>
@@ -3888,7 +4028,7 @@
       </p:cxnSp>
       <p:cxnSp>
         <p:nvCxnSpPr>
-          <p:cNvPr id="83" name="Conector de seta reta 82"/>
+          <p:cNvPr id="26" name="Conector de seta reta 25"/>
           <p:cNvCxnSpPr>
             <a:stCxn id="69" idx="2"/>
             <a:endCxn id="87" idx="0"/>
@@ -3896,9 +4036,9 @@
           <p:nvPr/>
         </p:nvCxnSpPr>
         <p:spPr>
-          <a:xfrm flipH="1">
-            <a:off x="3412763" y="4358753"/>
-            <a:ext cx="1249" cy="297476"/>
+          <a:xfrm>
+            <a:off x="5503757" y="4122323"/>
+            <a:ext cx="3762" cy="626192"/>
           </a:xfrm>
           <a:prstGeom prst="straightConnector1">
             <a:avLst/>
@@ -3925,856 +4065,6 @@
           </a:fontRef>
         </p:style>
       </p:cxnSp>
-      <p:sp>
-        <p:nvSpPr>
-          <p:cNvPr id="87" name="Fluxograma: Decisão 86"/>
-          <p:cNvSpPr/>
-          <p:nvPr/>
-        </p:nvSpPr>
-        <p:spPr>
-          <a:xfrm>
-            <a:off x="3315327" y="4656229"/>
-            <a:ext cx="194872" cy="293024"/>
-          </a:xfrm>
-          <a:prstGeom prst="flowChartDecision">
-            <a:avLst/>
-          </a:prstGeom>
-          <a:noFill/>
-          <a:ln>
-            <a:solidFill>
-              <a:schemeClr val="tx1"/>
-            </a:solidFill>
-          </a:ln>
-        </p:spPr>
-        <p:style>
-          <a:lnRef idx="2">
-            <a:schemeClr val="accent1">
-              <a:shade val="50000"/>
-            </a:schemeClr>
-          </a:lnRef>
-          <a:fillRef idx="1">
-            <a:schemeClr val="accent1"/>
-          </a:fillRef>
-          <a:effectRef idx="0">
-            <a:schemeClr val="accent1"/>
-          </a:effectRef>
-          <a:fontRef idx="minor">
-            <a:schemeClr val="lt1"/>
-          </a:fontRef>
-        </p:style>
-        <p:txBody>
-          <a:bodyPr rtlCol="0" anchor="ctr"/>
-          <a:lstStyle/>
-          <a:p>
-            <a:pPr algn="ctr"/>
-            <a:r>
-              <a:rPr lang="pt-BR" dirty="0" smtClean="0"/>
-              <a:t>v</a:t>
-            </a:r>
-            <a:endParaRPr lang="pt-BR" dirty="0"/>
-          </a:p>
-        </p:txBody>
-      </p:sp>
-      <p:sp>
-        <p:nvSpPr>
-          <p:cNvPr id="92" name="Retângulo de cantos arredondados 91"/>
-          <p:cNvSpPr/>
-          <p:nvPr/>
-        </p:nvSpPr>
-        <p:spPr>
-          <a:xfrm>
-            <a:off x="5598556" y="4546784"/>
-            <a:ext cx="1184222" cy="586049"/>
-          </a:xfrm>
-          <a:prstGeom prst="roundRect">
-            <a:avLst/>
-          </a:prstGeom>
-          <a:noFill/>
-          <a:ln>
-            <a:solidFill>
-              <a:schemeClr val="tx1"/>
-            </a:solidFill>
-          </a:ln>
-        </p:spPr>
-        <p:style>
-          <a:lnRef idx="2">
-            <a:schemeClr val="accent1">
-              <a:shade val="50000"/>
-            </a:schemeClr>
-          </a:lnRef>
-          <a:fillRef idx="1">
-            <a:schemeClr val="accent1"/>
-          </a:fillRef>
-          <a:effectRef idx="0">
-            <a:schemeClr val="accent1"/>
-          </a:effectRef>
-          <a:fontRef idx="minor">
-            <a:schemeClr val="lt1"/>
-          </a:fontRef>
-        </p:style>
-        <p:txBody>
-          <a:bodyPr rtlCol="0" anchor="ctr"/>
-          <a:lstStyle/>
-          <a:p>
-            <a:pPr algn="ctr"/>
-            <a:endParaRPr lang="pt-BR"/>
-          </a:p>
-        </p:txBody>
-      </p:sp>
-      <p:cxnSp>
-        <p:nvCxnSpPr>
-          <p:cNvPr id="96" name="Conector de seta reta 95"/>
-          <p:cNvCxnSpPr>
-            <a:stCxn id="87" idx="3"/>
-            <a:endCxn id="92" idx="1"/>
-          </p:cNvCxnSpPr>
-          <p:nvPr/>
-        </p:nvCxnSpPr>
-        <p:spPr>
-          <a:xfrm>
-            <a:off x="3510199" y="4802741"/>
-            <a:ext cx="2088357" cy="37068"/>
-          </a:xfrm>
-          <a:prstGeom prst="straightConnector1">
-            <a:avLst/>
-          </a:prstGeom>
-          <a:ln>
-            <a:solidFill>
-              <a:schemeClr val="tx1"/>
-            </a:solidFill>
-            <a:tailEnd type="triangle"/>
-          </a:ln>
-        </p:spPr>
-        <p:style>
-          <a:lnRef idx="1">
-            <a:schemeClr val="accent1"/>
-          </a:lnRef>
-          <a:fillRef idx="0">
-            <a:schemeClr val="accent1"/>
-          </a:fillRef>
-          <a:effectRef idx="0">
-            <a:schemeClr val="accent1"/>
-          </a:effectRef>
-          <a:fontRef idx="minor">
-            <a:schemeClr val="tx1"/>
-          </a:fontRef>
-        </p:style>
-      </p:cxnSp>
-      <p:sp>
-        <p:nvSpPr>
-          <p:cNvPr id="97" name="Retângulo de cantos arredondados 96"/>
-          <p:cNvSpPr/>
-          <p:nvPr/>
-        </p:nvSpPr>
-        <p:spPr>
-          <a:xfrm>
-            <a:off x="384483" y="4504314"/>
-            <a:ext cx="1184222" cy="586049"/>
-          </a:xfrm>
-          <a:prstGeom prst="roundRect">
-            <a:avLst/>
-          </a:prstGeom>
-          <a:noFill/>
-          <a:ln>
-            <a:solidFill>
-              <a:schemeClr val="tx1"/>
-            </a:solidFill>
-          </a:ln>
-        </p:spPr>
-        <p:style>
-          <a:lnRef idx="2">
-            <a:schemeClr val="accent1">
-              <a:shade val="50000"/>
-            </a:schemeClr>
-          </a:lnRef>
-          <a:fillRef idx="1">
-            <a:schemeClr val="accent1"/>
-          </a:fillRef>
-          <a:effectRef idx="0">
-            <a:schemeClr val="accent1"/>
-          </a:effectRef>
-          <a:fontRef idx="minor">
-            <a:schemeClr val="lt1"/>
-          </a:fontRef>
-        </p:style>
-        <p:txBody>
-          <a:bodyPr rtlCol="0" anchor="ctr"/>
-          <a:lstStyle/>
-          <a:p>
-            <a:pPr algn="ctr"/>
-            <a:endParaRPr lang="pt-BR"/>
-          </a:p>
-        </p:txBody>
-      </p:sp>
-      <p:cxnSp>
-        <p:nvCxnSpPr>
-          <p:cNvPr id="99" name="Conector de seta reta 98"/>
-          <p:cNvCxnSpPr>
-            <a:stCxn id="87" idx="1"/>
-            <a:endCxn id="97" idx="3"/>
-          </p:cNvCxnSpPr>
-          <p:nvPr/>
-        </p:nvCxnSpPr>
-        <p:spPr>
-          <a:xfrm flipH="1" flipV="1">
-            <a:off x="1568705" y="4797339"/>
-            <a:ext cx="1746622" cy="5402"/>
-          </a:xfrm>
-          <a:prstGeom prst="straightConnector1">
-            <a:avLst/>
-          </a:prstGeom>
-          <a:ln>
-            <a:solidFill>
-              <a:schemeClr val="tx1"/>
-            </a:solidFill>
-            <a:tailEnd type="triangle"/>
-          </a:ln>
-        </p:spPr>
-        <p:style>
-          <a:lnRef idx="1">
-            <a:schemeClr val="accent1"/>
-          </a:lnRef>
-          <a:fillRef idx="0">
-            <a:schemeClr val="accent1"/>
-          </a:fillRef>
-          <a:effectRef idx="0">
-            <a:schemeClr val="accent1"/>
-          </a:effectRef>
-          <a:fontRef idx="minor">
-            <a:schemeClr val="tx1"/>
-          </a:fontRef>
-        </p:style>
-      </p:cxnSp>
-      <p:sp>
-        <p:nvSpPr>
-          <p:cNvPr id="100" name="CaixaDeTexto 99"/>
-          <p:cNvSpPr txBox="1"/>
-          <p:nvPr/>
-        </p:nvSpPr>
-        <p:spPr>
-          <a:xfrm>
-            <a:off x="5403697" y="4553210"/>
-            <a:ext cx="1693889" cy="307777"/>
-          </a:xfrm>
-          <a:prstGeom prst="rect">
-            <a:avLst/>
-          </a:prstGeom>
-          <a:noFill/>
-        </p:spPr>
-        <p:txBody>
-          <a:bodyPr wrap="square" rtlCol="0">
-            <a:spAutoFit/>
-          </a:bodyPr>
-          <a:lstStyle/>
-          <a:p>
-            <a:pPr algn="ctr"/>
-            <a:r>
-              <a:rPr lang="pt-BR" sz="1400" dirty="0" smtClean="0">
-                <a:latin typeface="Arial" panose="020B0604020202020204" pitchFamily="34" charset="0"/>
-                <a:cs typeface="Arial" panose="020B0604020202020204" pitchFamily="34" charset="0"/>
-              </a:rPr>
-              <a:t>pago</a:t>
-            </a:r>
-            <a:endParaRPr lang="pt-BR" sz="1400" dirty="0" smtClean="0">
-              <a:latin typeface="Arial" panose="020B0604020202020204" pitchFamily="34" charset="0"/>
-              <a:cs typeface="Arial" panose="020B0604020202020204" pitchFamily="34" charset="0"/>
-            </a:endParaRPr>
-          </a:p>
-        </p:txBody>
-      </p:sp>
-      <p:sp>
-        <p:nvSpPr>
-          <p:cNvPr id="101" name="CaixaDeTexto 100"/>
-          <p:cNvSpPr txBox="1"/>
-          <p:nvPr/>
-        </p:nvSpPr>
-        <p:spPr>
-          <a:xfrm>
-            <a:off x="114657" y="4510738"/>
-            <a:ext cx="1693889" cy="307777"/>
-          </a:xfrm>
-          <a:prstGeom prst="rect">
-            <a:avLst/>
-          </a:prstGeom>
-          <a:noFill/>
-        </p:spPr>
-        <p:txBody>
-          <a:bodyPr wrap="square" rtlCol="0">
-            <a:spAutoFit/>
-          </a:bodyPr>
-          <a:lstStyle/>
-          <a:p>
-            <a:pPr algn="ctr"/>
-            <a:r>
-              <a:rPr lang="pt-BR" sz="1400" dirty="0" smtClean="0">
-                <a:latin typeface="Arial" panose="020B0604020202020204" pitchFamily="34" charset="0"/>
-                <a:cs typeface="Arial" panose="020B0604020202020204" pitchFamily="34" charset="0"/>
-              </a:rPr>
-              <a:t>pago</a:t>
-            </a:r>
-            <a:endParaRPr lang="pt-BR" sz="1400" dirty="0" smtClean="0">
-              <a:latin typeface="Arial" panose="020B0604020202020204" pitchFamily="34" charset="0"/>
-              <a:cs typeface="Arial" panose="020B0604020202020204" pitchFamily="34" charset="0"/>
-            </a:endParaRPr>
-          </a:p>
-        </p:txBody>
-      </p:sp>
-      <p:sp>
-        <p:nvSpPr>
-          <p:cNvPr id="103" name="Retângulo 102"/>
-          <p:cNvSpPr/>
-          <p:nvPr/>
-        </p:nvSpPr>
-        <p:spPr>
-          <a:xfrm>
-            <a:off x="1541995" y="4079851"/>
-            <a:ext cx="1128835" cy="738664"/>
-          </a:xfrm>
-          <a:prstGeom prst="rect">
-            <a:avLst/>
-          </a:prstGeom>
-        </p:spPr>
-        <p:txBody>
-          <a:bodyPr wrap="none">
-            <a:spAutoFit/>
-          </a:bodyPr>
-          <a:lstStyle/>
-          <a:p>
-            <a:r>
-              <a:rPr lang="pt-BR" sz="1400" dirty="0" smtClean="0">
-                <a:latin typeface="Arial" panose="020B0604020202020204" pitchFamily="34" charset="0"/>
-                <a:cs typeface="Arial" panose="020B0604020202020204" pitchFamily="34" charset="0"/>
-              </a:rPr>
-              <a:t>Cliente faz </a:t>
-            </a:r>
-          </a:p>
-          <a:p>
-            <a:r>
-              <a:rPr lang="pt-BR" sz="1400" dirty="0" smtClean="0">
-                <a:latin typeface="Arial" panose="020B0604020202020204" pitchFamily="34" charset="0"/>
-                <a:cs typeface="Arial" panose="020B0604020202020204" pitchFamily="34" charset="0"/>
-              </a:rPr>
-              <a:t>pagamento </a:t>
-            </a:r>
-          </a:p>
-          <a:p>
-            <a:r>
-              <a:rPr lang="pt-BR" sz="1400" dirty="0" smtClean="0">
-                <a:latin typeface="Arial" panose="020B0604020202020204" pitchFamily="34" charset="0"/>
-                <a:cs typeface="Arial" panose="020B0604020202020204" pitchFamily="34" charset="0"/>
-              </a:rPr>
-              <a:t>em dinheiro</a:t>
-            </a:r>
-            <a:endParaRPr lang="pt-BR" sz="1400" dirty="0">
-              <a:latin typeface="Arial" panose="020B0604020202020204" pitchFamily="34" charset="0"/>
-              <a:cs typeface="Arial" panose="020B0604020202020204" pitchFamily="34" charset="0"/>
-            </a:endParaRPr>
-          </a:p>
-        </p:txBody>
-      </p:sp>
-      <p:sp>
-        <p:nvSpPr>
-          <p:cNvPr id="105" name="Retângulo 104"/>
-          <p:cNvSpPr/>
-          <p:nvPr/>
-        </p:nvSpPr>
-        <p:spPr>
-          <a:xfrm>
-            <a:off x="4279434" y="4122323"/>
-            <a:ext cx="1128835" cy="738664"/>
-          </a:xfrm>
-          <a:prstGeom prst="rect">
-            <a:avLst/>
-          </a:prstGeom>
-        </p:spPr>
-        <p:txBody>
-          <a:bodyPr wrap="none">
-            <a:spAutoFit/>
-          </a:bodyPr>
-          <a:lstStyle/>
-          <a:p>
-            <a:r>
-              <a:rPr lang="pt-BR" sz="1400" dirty="0" smtClean="0">
-                <a:latin typeface="Arial" panose="020B0604020202020204" pitchFamily="34" charset="0"/>
-                <a:cs typeface="Arial" panose="020B0604020202020204" pitchFamily="34" charset="0"/>
-              </a:rPr>
-              <a:t>Cliente faz </a:t>
-            </a:r>
-          </a:p>
-          <a:p>
-            <a:r>
-              <a:rPr lang="pt-BR" sz="1400" dirty="0" smtClean="0">
-                <a:latin typeface="Arial" panose="020B0604020202020204" pitchFamily="34" charset="0"/>
-                <a:cs typeface="Arial" panose="020B0604020202020204" pitchFamily="34" charset="0"/>
-              </a:rPr>
-              <a:t>pagamento </a:t>
-            </a:r>
-          </a:p>
-          <a:p>
-            <a:r>
-              <a:rPr lang="pt-BR" sz="1400" dirty="0" smtClean="0">
-                <a:latin typeface="Arial" panose="020B0604020202020204" pitchFamily="34" charset="0"/>
-                <a:cs typeface="Arial" panose="020B0604020202020204" pitchFamily="34" charset="0"/>
-              </a:rPr>
-              <a:t>com cartão</a:t>
-            </a:r>
-            <a:endParaRPr lang="pt-BR" sz="1400" dirty="0">
-              <a:latin typeface="Arial" panose="020B0604020202020204" pitchFamily="34" charset="0"/>
-              <a:cs typeface="Arial" panose="020B0604020202020204" pitchFamily="34" charset="0"/>
-            </a:endParaRPr>
-          </a:p>
-        </p:txBody>
-      </p:sp>
-      <p:sp>
-        <p:nvSpPr>
-          <p:cNvPr id="106" name="Fluxograma: Decisão 105"/>
-          <p:cNvSpPr/>
-          <p:nvPr/>
-        </p:nvSpPr>
-        <p:spPr>
-          <a:xfrm>
-            <a:off x="3317826" y="5423220"/>
-            <a:ext cx="194872" cy="293024"/>
-          </a:xfrm>
-          <a:prstGeom prst="flowChartDecision">
-            <a:avLst/>
-          </a:prstGeom>
-          <a:noFill/>
-          <a:ln>
-            <a:solidFill>
-              <a:schemeClr val="tx1"/>
-            </a:solidFill>
-          </a:ln>
-        </p:spPr>
-        <p:style>
-          <a:lnRef idx="2">
-            <a:schemeClr val="accent1">
-              <a:shade val="50000"/>
-            </a:schemeClr>
-          </a:lnRef>
-          <a:fillRef idx="1">
-            <a:schemeClr val="accent1"/>
-          </a:fillRef>
-          <a:effectRef idx="0">
-            <a:schemeClr val="accent1"/>
-          </a:effectRef>
-          <a:fontRef idx="minor">
-            <a:schemeClr val="lt1"/>
-          </a:fontRef>
-        </p:style>
-        <p:txBody>
-          <a:bodyPr rtlCol="0" anchor="ctr"/>
-          <a:lstStyle/>
-          <a:p>
-            <a:pPr algn="ctr"/>
-            <a:r>
-              <a:rPr lang="pt-BR" dirty="0" smtClean="0"/>
-              <a:t>v</a:t>
-            </a:r>
-            <a:endParaRPr lang="pt-BR" dirty="0"/>
-          </a:p>
-        </p:txBody>
-      </p:sp>
-      <p:cxnSp>
-        <p:nvCxnSpPr>
-          <p:cNvPr id="108" name="Conector angulado 107"/>
-          <p:cNvCxnSpPr>
-            <a:stCxn id="92" idx="2"/>
-            <a:endCxn id="106" idx="3"/>
-          </p:cNvCxnSpPr>
-          <p:nvPr/>
-        </p:nvCxnSpPr>
-        <p:spPr>
-          <a:xfrm rot="5400000">
-            <a:off x="4633234" y="4012298"/>
-            <a:ext cx="436899" cy="2677969"/>
-          </a:xfrm>
-          <a:prstGeom prst="bentConnector2">
-            <a:avLst/>
-          </a:prstGeom>
-          <a:ln>
-            <a:solidFill>
-              <a:schemeClr val="tx1"/>
-            </a:solidFill>
-            <a:tailEnd type="triangle"/>
-          </a:ln>
-        </p:spPr>
-        <p:style>
-          <a:lnRef idx="1">
-            <a:schemeClr val="accent1"/>
-          </a:lnRef>
-          <a:fillRef idx="0">
-            <a:schemeClr val="accent1"/>
-          </a:fillRef>
-          <a:effectRef idx="0">
-            <a:schemeClr val="accent1"/>
-          </a:effectRef>
-          <a:fontRef idx="minor">
-            <a:schemeClr val="tx1"/>
-          </a:fontRef>
-        </p:style>
-      </p:cxnSp>
-      <p:cxnSp>
-        <p:nvCxnSpPr>
-          <p:cNvPr id="110" name="Conector angulado 109"/>
-          <p:cNvCxnSpPr>
-            <a:stCxn id="97" idx="2"/>
-            <a:endCxn id="106" idx="1"/>
-          </p:cNvCxnSpPr>
-          <p:nvPr/>
-        </p:nvCxnSpPr>
-        <p:spPr>
-          <a:xfrm rot="16200000" flipH="1">
-            <a:off x="1907526" y="4159431"/>
-            <a:ext cx="479369" cy="2341232"/>
-          </a:xfrm>
-          <a:prstGeom prst="bentConnector2">
-            <a:avLst/>
-          </a:prstGeom>
-          <a:ln>
-            <a:solidFill>
-              <a:schemeClr val="tx1"/>
-            </a:solidFill>
-            <a:tailEnd type="triangle"/>
-          </a:ln>
-        </p:spPr>
-        <p:style>
-          <a:lnRef idx="1">
-            <a:schemeClr val="accent1"/>
-          </a:lnRef>
-          <a:fillRef idx="0">
-            <a:schemeClr val="accent1"/>
-          </a:fillRef>
-          <a:effectRef idx="0">
-            <a:schemeClr val="accent1"/>
-          </a:effectRef>
-          <a:fontRef idx="minor">
-            <a:schemeClr val="tx1"/>
-          </a:fontRef>
-        </p:style>
-      </p:cxnSp>
-      <p:cxnSp>
-        <p:nvCxnSpPr>
-          <p:cNvPr id="112" name="Conector de seta reta 111"/>
-          <p:cNvCxnSpPr>
-            <a:stCxn id="106" idx="2"/>
-            <a:endCxn id="113" idx="0"/>
-          </p:cNvCxnSpPr>
-          <p:nvPr/>
-        </p:nvCxnSpPr>
-        <p:spPr>
-          <a:xfrm>
-            <a:off x="3415262" y="5716244"/>
-            <a:ext cx="4724" cy="676826"/>
-          </a:xfrm>
-          <a:prstGeom prst="straightConnector1">
-            <a:avLst/>
-          </a:prstGeom>
-          <a:ln>
-            <a:solidFill>
-              <a:schemeClr val="tx1"/>
-            </a:solidFill>
-            <a:tailEnd type="triangle"/>
-          </a:ln>
-        </p:spPr>
-        <p:style>
-          <a:lnRef idx="1">
-            <a:schemeClr val="accent1"/>
-          </a:lnRef>
-          <a:fillRef idx="0">
-            <a:schemeClr val="accent1"/>
-          </a:fillRef>
-          <a:effectRef idx="0">
-            <a:schemeClr val="accent1"/>
-          </a:effectRef>
-          <a:fontRef idx="minor">
-            <a:schemeClr val="tx1"/>
-          </a:fontRef>
-        </p:style>
-      </p:cxnSp>
-      <p:sp>
-        <p:nvSpPr>
-          <p:cNvPr id="113" name="Retângulo de cantos arredondados 112"/>
-          <p:cNvSpPr/>
-          <p:nvPr/>
-        </p:nvSpPr>
-        <p:spPr>
-          <a:xfrm>
-            <a:off x="2827875" y="6393070"/>
-            <a:ext cx="1184222" cy="406746"/>
-          </a:xfrm>
-          <a:prstGeom prst="roundRect">
-            <a:avLst/>
-          </a:prstGeom>
-          <a:noFill/>
-          <a:ln>
-            <a:solidFill>
-              <a:schemeClr val="tx1"/>
-            </a:solidFill>
-          </a:ln>
-        </p:spPr>
-        <p:style>
-          <a:lnRef idx="2">
-            <a:schemeClr val="accent1">
-              <a:shade val="50000"/>
-            </a:schemeClr>
-          </a:lnRef>
-          <a:fillRef idx="1">
-            <a:schemeClr val="accent1"/>
-          </a:fillRef>
-          <a:effectRef idx="0">
-            <a:schemeClr val="accent1"/>
-          </a:effectRef>
-          <a:fontRef idx="minor">
-            <a:schemeClr val="lt1"/>
-          </a:fontRef>
-        </p:style>
-        <p:txBody>
-          <a:bodyPr rtlCol="0" anchor="ctr"/>
-          <a:lstStyle/>
-          <a:p>
-            <a:pPr algn="ctr"/>
-            <a:endParaRPr lang="pt-BR"/>
-          </a:p>
-        </p:txBody>
-      </p:sp>
-      <p:sp>
-        <p:nvSpPr>
-          <p:cNvPr id="115" name="CaixaDeTexto 114"/>
-          <p:cNvSpPr txBox="1"/>
-          <p:nvPr/>
-        </p:nvSpPr>
-        <p:spPr>
-          <a:xfrm>
-            <a:off x="2528086" y="6354523"/>
-            <a:ext cx="1693889" cy="307777"/>
-          </a:xfrm>
-          <a:prstGeom prst="rect">
-            <a:avLst/>
-          </a:prstGeom>
-          <a:noFill/>
-        </p:spPr>
-        <p:txBody>
-          <a:bodyPr wrap="square" rtlCol="0">
-            <a:spAutoFit/>
-          </a:bodyPr>
-          <a:lstStyle/>
-          <a:p>
-            <a:pPr algn="ctr"/>
-            <a:r>
-              <a:rPr lang="pt-BR" sz="1400" dirty="0" smtClean="0">
-                <a:latin typeface="Arial" panose="020B0604020202020204" pitchFamily="34" charset="0"/>
-                <a:cs typeface="Arial" panose="020B0604020202020204" pitchFamily="34" charset="0"/>
-              </a:rPr>
-              <a:t>Atendimento</a:t>
-            </a:r>
-          </a:p>
-        </p:txBody>
-      </p:sp>
-      <p:cxnSp>
-        <p:nvCxnSpPr>
-          <p:cNvPr id="117" name="Conector de seta reta 116"/>
-          <p:cNvCxnSpPr>
-            <a:stCxn id="113" idx="3"/>
-          </p:cNvCxnSpPr>
-          <p:nvPr/>
-        </p:nvCxnSpPr>
-        <p:spPr>
-          <a:xfrm flipV="1">
-            <a:off x="4012097" y="6520721"/>
-            <a:ext cx="7155575" cy="75722"/>
-          </a:xfrm>
-          <a:prstGeom prst="straightConnector1">
-            <a:avLst/>
-          </a:prstGeom>
-          <a:ln>
-            <a:solidFill>
-              <a:schemeClr val="tx1"/>
-            </a:solidFill>
-            <a:tailEnd type="triangle"/>
-          </a:ln>
-        </p:spPr>
-        <p:style>
-          <a:lnRef idx="1">
-            <a:schemeClr val="accent1"/>
-          </a:lnRef>
-          <a:fillRef idx="0">
-            <a:schemeClr val="accent1"/>
-          </a:fillRef>
-          <a:effectRef idx="0">
-            <a:schemeClr val="accent1"/>
-          </a:effectRef>
-          <a:fontRef idx="minor">
-            <a:schemeClr val="tx1"/>
-          </a:fontRef>
-        </p:style>
-      </p:cxnSp>
-      <p:sp>
-        <p:nvSpPr>
-          <p:cNvPr id="118" name="Elipse 117"/>
-          <p:cNvSpPr/>
-          <p:nvPr/>
-        </p:nvSpPr>
-        <p:spPr>
-          <a:xfrm>
-            <a:off x="11320071" y="6200929"/>
-            <a:ext cx="404735" cy="434715"/>
-          </a:xfrm>
-          <a:prstGeom prst="ellipse">
-            <a:avLst/>
-          </a:prstGeom>
-          <a:solidFill>
-            <a:schemeClr val="bg1"/>
-          </a:solidFill>
-          <a:ln>
-            <a:solidFill>
-              <a:schemeClr val="tx1"/>
-            </a:solidFill>
-          </a:ln>
-        </p:spPr>
-        <p:style>
-          <a:lnRef idx="2">
-            <a:schemeClr val="accent1">
-              <a:shade val="50000"/>
-            </a:schemeClr>
-          </a:lnRef>
-          <a:fillRef idx="1">
-            <a:schemeClr val="accent1"/>
-          </a:fillRef>
-          <a:effectRef idx="0">
-            <a:schemeClr val="accent1"/>
-          </a:effectRef>
-          <a:fontRef idx="minor">
-            <a:schemeClr val="lt1"/>
-          </a:fontRef>
-        </p:style>
-        <p:txBody>
-          <a:bodyPr rtlCol="0" anchor="ctr"/>
-          <a:lstStyle/>
-          <a:p>
-            <a:pPr algn="ctr"/>
-            <a:endParaRPr lang="pt-BR"/>
-          </a:p>
-        </p:txBody>
-      </p:sp>
-      <p:sp>
-        <p:nvSpPr>
-          <p:cNvPr id="119" name="Elipse 118"/>
-          <p:cNvSpPr/>
-          <p:nvPr/>
-        </p:nvSpPr>
-        <p:spPr>
-          <a:xfrm>
-            <a:off x="11414438" y="6310286"/>
-            <a:ext cx="216000" cy="216000"/>
-          </a:xfrm>
-          <a:prstGeom prst="ellipse">
-            <a:avLst/>
-          </a:prstGeom>
-          <a:solidFill>
-            <a:schemeClr val="tx1"/>
-          </a:solidFill>
-          <a:ln>
-            <a:solidFill>
-              <a:schemeClr val="tx1"/>
-            </a:solidFill>
-          </a:ln>
-        </p:spPr>
-        <p:style>
-          <a:lnRef idx="2">
-            <a:schemeClr val="accent1">
-              <a:shade val="50000"/>
-            </a:schemeClr>
-          </a:lnRef>
-          <a:fillRef idx="1">
-            <a:schemeClr val="accent1"/>
-          </a:fillRef>
-          <a:effectRef idx="0">
-            <a:schemeClr val="accent1"/>
-          </a:effectRef>
-          <a:fontRef idx="minor">
-            <a:schemeClr val="lt1"/>
-          </a:fontRef>
-        </p:style>
-        <p:txBody>
-          <a:bodyPr rtlCol="0" anchor="ctr"/>
-          <a:lstStyle/>
-          <a:p>
-            <a:pPr algn="ctr"/>
-            <a:endParaRPr lang="pt-BR"/>
-          </a:p>
-        </p:txBody>
-      </p:sp>
-      <p:sp>
-        <p:nvSpPr>
-          <p:cNvPr id="120" name="CaixaDeTexto 119"/>
-          <p:cNvSpPr txBox="1"/>
-          <p:nvPr/>
-        </p:nvSpPr>
-        <p:spPr>
-          <a:xfrm>
-            <a:off x="4029595" y="6282071"/>
-            <a:ext cx="2753183" cy="307777"/>
-          </a:xfrm>
-          <a:prstGeom prst="rect">
-            <a:avLst/>
-          </a:prstGeom>
-          <a:noFill/>
-        </p:spPr>
-        <p:txBody>
-          <a:bodyPr wrap="square" rtlCol="0">
-            <a:spAutoFit/>
-          </a:bodyPr>
-          <a:lstStyle/>
-          <a:p>
-            <a:pPr algn="ctr"/>
-            <a:r>
-              <a:rPr lang="pt-BR" sz="1400" dirty="0" smtClean="0">
-                <a:latin typeface="Arial" panose="020B0604020202020204" pitchFamily="34" charset="0"/>
-                <a:cs typeface="Arial" panose="020B0604020202020204" pitchFamily="34" charset="0"/>
-              </a:rPr>
-              <a:t>Atendimento entrega produto</a:t>
-            </a:r>
-            <a:endParaRPr lang="pt-BR" sz="1400" dirty="0" smtClean="0">
-              <a:latin typeface="Arial" panose="020B0604020202020204" pitchFamily="34" charset="0"/>
-              <a:cs typeface="Arial" panose="020B0604020202020204" pitchFamily="34" charset="0"/>
-            </a:endParaRPr>
-          </a:p>
-        </p:txBody>
-      </p:sp>
-      <p:sp>
-        <p:nvSpPr>
-          <p:cNvPr id="121" name="CaixaDeTexto 120"/>
-          <p:cNvSpPr txBox="1"/>
-          <p:nvPr/>
-        </p:nvSpPr>
-        <p:spPr>
-          <a:xfrm>
-            <a:off x="10717707" y="6584375"/>
-            <a:ext cx="1611698" cy="307777"/>
-          </a:xfrm>
-          <a:prstGeom prst="rect">
-            <a:avLst/>
-          </a:prstGeom>
-          <a:noFill/>
-        </p:spPr>
-        <p:txBody>
-          <a:bodyPr wrap="square" rtlCol="0">
-            <a:spAutoFit/>
-          </a:bodyPr>
-          <a:lstStyle/>
-          <a:p>
-            <a:pPr algn="ctr"/>
-            <a:r>
-              <a:rPr lang="pt-BR" sz="1400" dirty="0" smtClean="0">
-                <a:latin typeface="Arial" panose="020B0604020202020204" pitchFamily="34" charset="0"/>
-                <a:cs typeface="Arial" panose="020B0604020202020204" pitchFamily="34" charset="0"/>
-              </a:rPr>
-              <a:t>Finalizado</a:t>
-            </a:r>
-          </a:p>
-        </p:txBody>
-      </p:sp>
     </p:spTree>
     <p:extLst>
       <p:ext uri="{BB962C8B-B14F-4D97-AF65-F5344CB8AC3E}">
@@ -4792,6 +4082,1115 @@
       </p:par>
     </p:tnLst>
   </p:timing>
+</p:sld>
+</file>
+
+<file path=ppt/slides/slide2.xml><?xml version="1.0" encoding="utf-8"?>
+<p:sld xmlns:a="http://schemas.openxmlformats.org/drawingml/2006/main" xmlns:r="http://schemas.openxmlformats.org/officeDocument/2006/relationships" xmlns:p="http://schemas.openxmlformats.org/presentationml/2006/main">
+  <p:cSld>
+    <p:spTree>
+      <p:nvGrpSpPr>
+        <p:cNvPr id="1" name=""/>
+        <p:cNvGrpSpPr/>
+        <p:nvPr/>
+      </p:nvGrpSpPr>
+      <p:grpSpPr>
+        <a:xfrm>
+          <a:off x="0" y="0"/>
+          <a:ext cx="0" cy="0"/>
+          <a:chOff x="0" y="0"/>
+          <a:chExt cx="0" cy="0"/>
+        </a:xfrm>
+      </p:grpSpPr>
+      <p:sp>
+        <p:nvSpPr>
+          <p:cNvPr id="2" name="Título 1">
+            <a:extLst>
+              <a:ext uri="{FF2B5EF4-FFF2-40B4-BE49-F238E27FC236}">
+                <a16:creationId xmlns:a16="http://schemas.microsoft.com/office/drawing/2014/main" xmlns="" id="{7332FCC1-6269-482F-B964-CF10B26D2D7B}"/>
+              </a:ext>
+            </a:extLst>
+          </p:cNvPr>
+          <p:cNvSpPr txBox="1">
+            <a:spLocks/>
+          </p:cNvSpPr>
+          <p:nvPr/>
+        </p:nvSpPr>
+        <p:spPr>
+          <a:xfrm>
+            <a:off x="0" y="110293"/>
+            <a:ext cx="10515600" cy="624225"/>
+          </a:xfrm>
+          <a:prstGeom prst="rect">
+            <a:avLst/>
+          </a:prstGeom>
+        </p:spPr>
+        <p:txBody>
+          <a:bodyPr/>
+          <a:lstStyle>
+            <a:lvl1pPr algn="l" defTabSz="914400" rtl="0" eaLnBrk="1" latinLnBrk="0" hangingPunct="1">
+              <a:lnSpc>
+                <a:spcPct val="90000"/>
+              </a:lnSpc>
+              <a:spcBef>
+                <a:spcPct val="0"/>
+              </a:spcBef>
+              <a:buNone/>
+              <a:defRPr sz="4400" kern="1200">
+                <a:solidFill>
+                  <a:schemeClr val="tx1"/>
+                </a:solidFill>
+                <a:latin typeface="+mj-lt"/>
+                <a:ea typeface="+mj-ea"/>
+                <a:cs typeface="+mj-cs"/>
+              </a:defRPr>
+            </a:lvl1pPr>
+          </a:lstStyle>
+          <a:p>
+            <a:r>
+              <a:rPr lang="pt-BR" dirty="0" smtClean="0"/>
+              <a:t>Ciclo de Vida </a:t>
+            </a:r>
+            <a:r>
+              <a:rPr lang="pt-BR" dirty="0" smtClean="0"/>
+              <a:t>da Troca</a:t>
+            </a:r>
+            <a:endParaRPr lang="pt-BR" dirty="0"/>
+          </a:p>
+        </p:txBody>
+      </p:sp>
+      <p:sp>
+        <p:nvSpPr>
+          <p:cNvPr id="3" name="Elipse 2"/>
+          <p:cNvSpPr/>
+          <p:nvPr/>
+        </p:nvSpPr>
+        <p:spPr>
+          <a:xfrm>
+            <a:off x="5246554" y="959375"/>
+            <a:ext cx="404735" cy="434715"/>
+          </a:xfrm>
+          <a:prstGeom prst="ellipse">
+            <a:avLst/>
+          </a:prstGeom>
+          <a:solidFill>
+            <a:schemeClr val="tx1"/>
+          </a:solidFill>
+          <a:ln>
+            <a:solidFill>
+              <a:schemeClr val="tx1"/>
+            </a:solidFill>
+          </a:ln>
+        </p:spPr>
+        <p:style>
+          <a:lnRef idx="2">
+            <a:schemeClr val="accent1">
+              <a:shade val="50000"/>
+            </a:schemeClr>
+          </a:lnRef>
+          <a:fillRef idx="1">
+            <a:schemeClr val="accent1"/>
+          </a:fillRef>
+          <a:effectRef idx="0">
+            <a:schemeClr val="accent1"/>
+          </a:effectRef>
+          <a:fontRef idx="minor">
+            <a:schemeClr val="lt1"/>
+          </a:fontRef>
+        </p:style>
+        <p:txBody>
+          <a:bodyPr rtlCol="0" anchor="ctr"/>
+          <a:lstStyle/>
+          <a:p>
+            <a:pPr algn="ctr"/>
+            <a:endParaRPr lang="pt-BR"/>
+          </a:p>
+        </p:txBody>
+      </p:sp>
+      <p:cxnSp>
+        <p:nvCxnSpPr>
+          <p:cNvPr id="4" name="Conector de seta reta 3"/>
+          <p:cNvCxnSpPr>
+            <a:stCxn id="3" idx="4"/>
+          </p:cNvCxnSpPr>
+          <p:nvPr/>
+        </p:nvCxnSpPr>
+        <p:spPr>
+          <a:xfrm flipH="1">
+            <a:off x="5441435" y="1394090"/>
+            <a:ext cx="7487" cy="509663"/>
+          </a:xfrm>
+          <a:prstGeom prst="straightConnector1">
+            <a:avLst/>
+          </a:prstGeom>
+          <a:ln>
+            <a:solidFill>
+              <a:schemeClr val="tx1"/>
+            </a:solidFill>
+            <a:tailEnd type="triangle"/>
+          </a:ln>
+        </p:spPr>
+        <p:style>
+          <a:lnRef idx="1">
+            <a:schemeClr val="accent1"/>
+          </a:lnRef>
+          <a:fillRef idx="0">
+            <a:schemeClr val="accent1"/>
+          </a:fillRef>
+          <a:effectRef idx="0">
+            <a:schemeClr val="accent1"/>
+          </a:effectRef>
+          <a:fontRef idx="minor">
+            <a:schemeClr val="tx1"/>
+          </a:fontRef>
+        </p:style>
+      </p:cxnSp>
+      <p:sp>
+        <p:nvSpPr>
+          <p:cNvPr id="5" name="CaixaDeTexto 4"/>
+          <p:cNvSpPr txBox="1"/>
+          <p:nvPr/>
+        </p:nvSpPr>
+        <p:spPr>
+          <a:xfrm>
+            <a:off x="4639460" y="1454050"/>
+            <a:ext cx="1941222" cy="307777"/>
+          </a:xfrm>
+          <a:prstGeom prst="rect">
+            <a:avLst/>
+          </a:prstGeom>
+          <a:solidFill>
+            <a:schemeClr val="bg1"/>
+          </a:solidFill>
+        </p:spPr>
+        <p:txBody>
+          <a:bodyPr wrap="square" rtlCol="0">
+            <a:spAutoFit/>
+          </a:bodyPr>
+          <a:lstStyle/>
+          <a:p>
+            <a:r>
+              <a:rPr lang="pt-BR" sz="1400" dirty="0" smtClean="0">
+                <a:latin typeface="Arial" panose="020B0604020202020204" pitchFamily="34" charset="0"/>
+                <a:cs typeface="Arial" panose="020B0604020202020204" pitchFamily="34" charset="0"/>
+              </a:rPr>
+              <a:t>Cliente </a:t>
+            </a:r>
+            <a:r>
+              <a:rPr lang="pt-BR" sz="1400" dirty="0" smtClean="0">
+                <a:latin typeface="Arial" panose="020B0604020202020204" pitchFamily="34" charset="0"/>
+                <a:cs typeface="Arial" panose="020B0604020202020204" pitchFamily="34" charset="0"/>
+              </a:rPr>
+              <a:t>solicita</a:t>
+            </a:r>
+            <a:r>
+              <a:rPr lang="pt-BR" sz="1400" dirty="0" smtClean="0">
+                <a:latin typeface="Arial" panose="020B0604020202020204" pitchFamily="34" charset="0"/>
+                <a:cs typeface="Arial" panose="020B0604020202020204" pitchFamily="34" charset="0"/>
+              </a:rPr>
+              <a:t> </a:t>
+            </a:r>
+            <a:r>
+              <a:rPr lang="pt-BR" sz="1400" dirty="0" smtClean="0">
+                <a:latin typeface="Arial" panose="020B0604020202020204" pitchFamily="34" charset="0"/>
+                <a:cs typeface="Arial" panose="020B0604020202020204" pitchFamily="34" charset="0"/>
+              </a:rPr>
+              <a:t>troca</a:t>
+            </a:r>
+            <a:endParaRPr lang="pt-BR" sz="1400" dirty="0"/>
+          </a:p>
+        </p:txBody>
+      </p:sp>
+      <p:sp>
+        <p:nvSpPr>
+          <p:cNvPr id="6" name="Retângulo de cantos arredondados 5"/>
+          <p:cNvSpPr/>
+          <p:nvPr/>
+        </p:nvSpPr>
+        <p:spPr>
+          <a:xfrm>
+            <a:off x="4871814" y="1932308"/>
+            <a:ext cx="1184222" cy="586049"/>
+          </a:xfrm>
+          <a:prstGeom prst="roundRect">
+            <a:avLst/>
+          </a:prstGeom>
+          <a:noFill/>
+          <a:ln>
+            <a:solidFill>
+              <a:schemeClr val="tx1"/>
+            </a:solidFill>
+          </a:ln>
+        </p:spPr>
+        <p:style>
+          <a:lnRef idx="2">
+            <a:schemeClr val="accent1">
+              <a:shade val="50000"/>
+            </a:schemeClr>
+          </a:lnRef>
+          <a:fillRef idx="1">
+            <a:schemeClr val="accent1"/>
+          </a:fillRef>
+          <a:effectRef idx="0">
+            <a:schemeClr val="accent1"/>
+          </a:effectRef>
+          <a:fontRef idx="minor">
+            <a:schemeClr val="lt1"/>
+          </a:fontRef>
+        </p:style>
+        <p:txBody>
+          <a:bodyPr rtlCol="0" anchor="ctr"/>
+          <a:lstStyle/>
+          <a:p>
+            <a:pPr algn="ctr"/>
+            <a:endParaRPr lang="pt-BR"/>
+          </a:p>
+        </p:txBody>
+      </p:sp>
+      <p:sp>
+        <p:nvSpPr>
+          <p:cNvPr id="7" name="CaixaDeTexto 6"/>
+          <p:cNvSpPr txBox="1"/>
+          <p:nvPr/>
+        </p:nvSpPr>
+        <p:spPr>
+          <a:xfrm>
+            <a:off x="5081661" y="2083642"/>
+            <a:ext cx="704538" cy="311953"/>
+          </a:xfrm>
+          <a:prstGeom prst="rect">
+            <a:avLst/>
+          </a:prstGeom>
+          <a:noFill/>
+        </p:spPr>
+        <p:txBody>
+          <a:bodyPr wrap="square" rtlCol="0">
+            <a:spAutoFit/>
+          </a:bodyPr>
+          <a:lstStyle/>
+          <a:p>
+            <a:r>
+              <a:rPr lang="pt-BR" sz="1400" dirty="0" smtClean="0">
+                <a:latin typeface="Arial" panose="020B0604020202020204" pitchFamily="34" charset="0"/>
+                <a:cs typeface="Arial" panose="020B0604020202020204" pitchFamily="34" charset="0"/>
+              </a:rPr>
+              <a:t>aberto</a:t>
+            </a:r>
+          </a:p>
+        </p:txBody>
+      </p:sp>
+      <p:sp>
+        <p:nvSpPr>
+          <p:cNvPr id="8" name="Retângulo 7"/>
+          <p:cNvSpPr/>
+          <p:nvPr/>
+        </p:nvSpPr>
+        <p:spPr>
+          <a:xfrm>
+            <a:off x="4798588" y="2689357"/>
+            <a:ext cx="2252540" cy="307777"/>
+          </a:xfrm>
+          <a:prstGeom prst="rect">
+            <a:avLst/>
+          </a:prstGeom>
+        </p:spPr>
+        <p:txBody>
+          <a:bodyPr wrap="none">
+            <a:spAutoFit/>
+          </a:bodyPr>
+          <a:lstStyle/>
+          <a:p>
+            <a:r>
+              <a:rPr lang="pt-BR" sz="1400" dirty="0" smtClean="0">
+                <a:latin typeface="Arial" panose="020B0604020202020204" pitchFamily="34" charset="0"/>
+                <a:cs typeface="Arial" panose="020B0604020202020204" pitchFamily="34" charset="0"/>
+              </a:rPr>
+              <a:t>Cliente </a:t>
+            </a:r>
+            <a:r>
+              <a:rPr lang="pt-BR" sz="1400" dirty="0" smtClean="0">
+                <a:latin typeface="Arial" panose="020B0604020202020204" pitchFamily="34" charset="0"/>
+                <a:cs typeface="Arial" panose="020B0604020202020204" pitchFamily="34" charset="0"/>
+              </a:rPr>
+              <a:t>entrega o produto</a:t>
+            </a:r>
+            <a:endParaRPr lang="pt-BR" sz="1400" dirty="0">
+              <a:latin typeface="Arial" panose="020B0604020202020204" pitchFamily="34" charset="0"/>
+              <a:cs typeface="Arial" panose="020B0604020202020204" pitchFamily="34" charset="0"/>
+            </a:endParaRPr>
+          </a:p>
+        </p:txBody>
+      </p:sp>
+      <p:sp>
+        <p:nvSpPr>
+          <p:cNvPr id="9" name="Retângulo de cantos arredondados 8"/>
+          <p:cNvSpPr/>
+          <p:nvPr/>
+        </p:nvSpPr>
+        <p:spPr>
+          <a:xfrm>
+            <a:off x="4911646" y="3335995"/>
+            <a:ext cx="1184222" cy="786328"/>
+          </a:xfrm>
+          <a:prstGeom prst="roundRect">
+            <a:avLst/>
+          </a:prstGeom>
+          <a:noFill/>
+          <a:ln>
+            <a:solidFill>
+              <a:schemeClr val="tx1"/>
+            </a:solidFill>
+          </a:ln>
+        </p:spPr>
+        <p:style>
+          <a:lnRef idx="2">
+            <a:schemeClr val="accent1">
+              <a:shade val="50000"/>
+            </a:schemeClr>
+          </a:lnRef>
+          <a:fillRef idx="1">
+            <a:schemeClr val="accent1"/>
+          </a:fillRef>
+          <a:effectRef idx="0">
+            <a:schemeClr val="accent1"/>
+          </a:effectRef>
+          <a:fontRef idx="minor">
+            <a:schemeClr val="lt1"/>
+          </a:fontRef>
+        </p:style>
+        <p:txBody>
+          <a:bodyPr rtlCol="0" anchor="ctr"/>
+          <a:lstStyle/>
+          <a:p>
+            <a:pPr algn="ctr"/>
+            <a:endParaRPr lang="pt-BR"/>
+          </a:p>
+        </p:txBody>
+      </p:sp>
+      <p:sp>
+        <p:nvSpPr>
+          <p:cNvPr id="10" name="CaixaDeTexto 9"/>
+          <p:cNvSpPr txBox="1"/>
+          <p:nvPr/>
+        </p:nvSpPr>
+        <p:spPr>
+          <a:xfrm>
+            <a:off x="4630320" y="3531881"/>
+            <a:ext cx="1693889" cy="307777"/>
+          </a:xfrm>
+          <a:prstGeom prst="rect">
+            <a:avLst/>
+          </a:prstGeom>
+          <a:noFill/>
+        </p:spPr>
+        <p:txBody>
+          <a:bodyPr wrap="square" rtlCol="0">
+            <a:spAutoFit/>
+          </a:bodyPr>
+          <a:lstStyle/>
+          <a:p>
+            <a:pPr algn="ctr"/>
+            <a:r>
+              <a:rPr lang="pt-BR" sz="1400" dirty="0" smtClean="0">
+                <a:latin typeface="Arial" panose="020B0604020202020204" pitchFamily="34" charset="0"/>
+                <a:cs typeface="Arial" panose="020B0604020202020204" pitchFamily="34" charset="0"/>
+              </a:rPr>
+              <a:t>Verificando</a:t>
+            </a:r>
+            <a:endParaRPr lang="pt-BR" sz="1400" dirty="0" smtClean="0">
+              <a:latin typeface="Arial" panose="020B0604020202020204" pitchFamily="34" charset="0"/>
+              <a:cs typeface="Arial" panose="020B0604020202020204" pitchFamily="34" charset="0"/>
+            </a:endParaRPr>
+          </a:p>
+        </p:txBody>
+      </p:sp>
+      <p:sp>
+        <p:nvSpPr>
+          <p:cNvPr id="11" name="Fluxograma: Decisão 10"/>
+          <p:cNvSpPr/>
+          <p:nvPr/>
+        </p:nvSpPr>
+        <p:spPr>
+          <a:xfrm>
+            <a:off x="5410083" y="4748515"/>
+            <a:ext cx="194872" cy="293024"/>
+          </a:xfrm>
+          <a:prstGeom prst="flowChartDecision">
+            <a:avLst/>
+          </a:prstGeom>
+          <a:noFill/>
+          <a:ln>
+            <a:solidFill>
+              <a:schemeClr val="tx1"/>
+            </a:solidFill>
+          </a:ln>
+        </p:spPr>
+        <p:style>
+          <a:lnRef idx="2">
+            <a:schemeClr val="accent1">
+              <a:shade val="50000"/>
+            </a:schemeClr>
+          </a:lnRef>
+          <a:fillRef idx="1">
+            <a:schemeClr val="accent1"/>
+          </a:fillRef>
+          <a:effectRef idx="0">
+            <a:schemeClr val="accent1"/>
+          </a:effectRef>
+          <a:fontRef idx="minor">
+            <a:schemeClr val="lt1"/>
+          </a:fontRef>
+        </p:style>
+        <p:txBody>
+          <a:bodyPr rtlCol="0" anchor="ctr"/>
+          <a:lstStyle/>
+          <a:p>
+            <a:pPr algn="ctr"/>
+            <a:r>
+              <a:rPr lang="pt-BR" dirty="0" smtClean="0"/>
+              <a:t>v</a:t>
+            </a:r>
+            <a:endParaRPr lang="pt-BR" dirty="0"/>
+          </a:p>
+        </p:txBody>
+      </p:sp>
+      <p:sp>
+        <p:nvSpPr>
+          <p:cNvPr id="12" name="Retângulo 11"/>
+          <p:cNvSpPr/>
+          <p:nvPr/>
+        </p:nvSpPr>
+        <p:spPr>
+          <a:xfrm>
+            <a:off x="3309726" y="4577527"/>
+            <a:ext cx="2093843" cy="307777"/>
+          </a:xfrm>
+          <a:prstGeom prst="rect">
+            <a:avLst/>
+          </a:prstGeom>
+        </p:spPr>
+        <p:txBody>
+          <a:bodyPr wrap="none">
+            <a:spAutoFit/>
+          </a:bodyPr>
+          <a:lstStyle/>
+          <a:p>
+            <a:r>
+              <a:rPr lang="pt-BR" sz="1400" dirty="0" smtClean="0">
+                <a:latin typeface="Arial" panose="020B0604020202020204" pitchFamily="34" charset="0"/>
+                <a:cs typeface="Arial" panose="020B0604020202020204" pitchFamily="34" charset="0"/>
+              </a:rPr>
+              <a:t>Produto em bom estado</a:t>
+            </a:r>
+            <a:endParaRPr lang="pt-BR" sz="1400" dirty="0">
+              <a:latin typeface="Arial" panose="020B0604020202020204" pitchFamily="34" charset="0"/>
+              <a:cs typeface="Arial" panose="020B0604020202020204" pitchFamily="34" charset="0"/>
+            </a:endParaRPr>
+          </a:p>
+        </p:txBody>
+      </p:sp>
+      <p:sp>
+        <p:nvSpPr>
+          <p:cNvPr id="13" name="Retângulo 12"/>
+          <p:cNvSpPr/>
+          <p:nvPr/>
+        </p:nvSpPr>
+        <p:spPr>
+          <a:xfrm>
+            <a:off x="5844038" y="4582700"/>
+            <a:ext cx="1677062" cy="307777"/>
+          </a:xfrm>
+          <a:prstGeom prst="rect">
+            <a:avLst/>
+          </a:prstGeom>
+        </p:spPr>
+        <p:txBody>
+          <a:bodyPr wrap="none">
+            <a:spAutoFit/>
+          </a:bodyPr>
+          <a:lstStyle/>
+          <a:p>
+            <a:r>
+              <a:rPr lang="pt-BR" sz="1400" dirty="0" smtClean="0">
+                <a:latin typeface="Arial" panose="020B0604020202020204" pitchFamily="34" charset="0"/>
+                <a:cs typeface="Arial" panose="020B0604020202020204" pitchFamily="34" charset="0"/>
+              </a:rPr>
+              <a:t>Produto danificado</a:t>
+            </a:r>
+            <a:endParaRPr lang="pt-BR" sz="1400" dirty="0">
+              <a:latin typeface="Arial" panose="020B0604020202020204" pitchFamily="34" charset="0"/>
+              <a:cs typeface="Arial" panose="020B0604020202020204" pitchFamily="34" charset="0"/>
+            </a:endParaRPr>
+          </a:p>
+        </p:txBody>
+      </p:sp>
+      <p:cxnSp>
+        <p:nvCxnSpPr>
+          <p:cNvPr id="14" name="Conector de seta reta 13"/>
+          <p:cNvCxnSpPr/>
+          <p:nvPr/>
+        </p:nvCxnSpPr>
+        <p:spPr>
+          <a:xfrm flipH="1">
+            <a:off x="5507519" y="5925022"/>
+            <a:ext cx="12495" cy="259286"/>
+          </a:xfrm>
+          <a:prstGeom prst="straightConnector1">
+            <a:avLst/>
+          </a:prstGeom>
+          <a:ln>
+            <a:solidFill>
+              <a:schemeClr val="tx1"/>
+            </a:solidFill>
+            <a:tailEnd type="triangle"/>
+          </a:ln>
+        </p:spPr>
+        <p:style>
+          <a:lnRef idx="1">
+            <a:schemeClr val="accent1"/>
+          </a:lnRef>
+          <a:fillRef idx="0">
+            <a:schemeClr val="accent1"/>
+          </a:fillRef>
+          <a:effectRef idx="0">
+            <a:schemeClr val="accent1"/>
+          </a:effectRef>
+          <a:fontRef idx="minor">
+            <a:schemeClr val="tx1"/>
+          </a:fontRef>
+        </p:style>
+      </p:cxnSp>
+      <p:sp>
+        <p:nvSpPr>
+          <p:cNvPr id="15" name="Retângulo de cantos arredondados 14"/>
+          <p:cNvSpPr/>
+          <p:nvPr/>
+        </p:nvSpPr>
+        <p:spPr>
+          <a:xfrm>
+            <a:off x="4899886" y="6165496"/>
+            <a:ext cx="1184222" cy="406746"/>
+          </a:xfrm>
+          <a:prstGeom prst="roundRect">
+            <a:avLst/>
+          </a:prstGeom>
+          <a:noFill/>
+          <a:ln>
+            <a:solidFill>
+              <a:schemeClr val="tx1"/>
+            </a:solidFill>
+          </a:ln>
+        </p:spPr>
+        <p:style>
+          <a:lnRef idx="2">
+            <a:schemeClr val="accent1">
+              <a:shade val="50000"/>
+            </a:schemeClr>
+          </a:lnRef>
+          <a:fillRef idx="1">
+            <a:schemeClr val="accent1"/>
+          </a:fillRef>
+          <a:effectRef idx="0">
+            <a:schemeClr val="accent1"/>
+          </a:effectRef>
+          <a:fontRef idx="minor">
+            <a:schemeClr val="lt1"/>
+          </a:fontRef>
+        </p:style>
+        <p:txBody>
+          <a:bodyPr rtlCol="0" anchor="ctr"/>
+          <a:lstStyle/>
+          <a:p>
+            <a:pPr algn="ctr"/>
+            <a:endParaRPr lang="pt-BR"/>
+          </a:p>
+        </p:txBody>
+      </p:sp>
+      <p:sp>
+        <p:nvSpPr>
+          <p:cNvPr id="16" name="CaixaDeTexto 15"/>
+          <p:cNvSpPr txBox="1"/>
+          <p:nvPr/>
+        </p:nvSpPr>
+        <p:spPr>
+          <a:xfrm>
+            <a:off x="4616980" y="6156397"/>
+            <a:ext cx="1693889" cy="307777"/>
+          </a:xfrm>
+          <a:prstGeom prst="rect">
+            <a:avLst/>
+          </a:prstGeom>
+          <a:noFill/>
+        </p:spPr>
+        <p:txBody>
+          <a:bodyPr wrap="square" rtlCol="0">
+            <a:spAutoFit/>
+          </a:bodyPr>
+          <a:lstStyle/>
+          <a:p>
+            <a:pPr algn="ctr"/>
+            <a:r>
+              <a:rPr lang="pt-BR" sz="1400" dirty="0" smtClean="0">
+                <a:latin typeface="Arial" panose="020B0604020202020204" pitchFamily="34" charset="0"/>
+                <a:cs typeface="Arial" panose="020B0604020202020204" pitchFamily="34" charset="0"/>
+              </a:rPr>
+              <a:t>Concluído</a:t>
+            </a:r>
+          </a:p>
+        </p:txBody>
+      </p:sp>
+      <p:cxnSp>
+        <p:nvCxnSpPr>
+          <p:cNvPr id="17" name="Conector de seta reta 16"/>
+          <p:cNvCxnSpPr>
+            <a:endCxn id="18" idx="2"/>
+          </p:cNvCxnSpPr>
+          <p:nvPr/>
+        </p:nvCxnSpPr>
+        <p:spPr>
+          <a:xfrm>
+            <a:off x="6095868" y="6368869"/>
+            <a:ext cx="3410393" cy="13985"/>
+          </a:xfrm>
+          <a:prstGeom prst="straightConnector1">
+            <a:avLst/>
+          </a:prstGeom>
+          <a:ln>
+            <a:solidFill>
+              <a:schemeClr val="tx1"/>
+            </a:solidFill>
+            <a:tailEnd type="triangle"/>
+          </a:ln>
+        </p:spPr>
+        <p:style>
+          <a:lnRef idx="1">
+            <a:schemeClr val="accent1"/>
+          </a:lnRef>
+          <a:fillRef idx="0">
+            <a:schemeClr val="accent1"/>
+          </a:fillRef>
+          <a:effectRef idx="0">
+            <a:schemeClr val="accent1"/>
+          </a:effectRef>
+          <a:fontRef idx="minor">
+            <a:schemeClr val="tx1"/>
+          </a:fontRef>
+        </p:style>
+      </p:cxnSp>
+      <p:sp>
+        <p:nvSpPr>
+          <p:cNvPr id="18" name="Elipse 17"/>
+          <p:cNvSpPr/>
+          <p:nvPr/>
+        </p:nvSpPr>
+        <p:spPr>
+          <a:xfrm>
+            <a:off x="9506261" y="6165496"/>
+            <a:ext cx="404735" cy="434715"/>
+          </a:xfrm>
+          <a:prstGeom prst="ellipse">
+            <a:avLst/>
+          </a:prstGeom>
+          <a:solidFill>
+            <a:schemeClr val="bg1"/>
+          </a:solidFill>
+          <a:ln>
+            <a:solidFill>
+              <a:schemeClr val="tx1"/>
+            </a:solidFill>
+          </a:ln>
+        </p:spPr>
+        <p:style>
+          <a:lnRef idx="2">
+            <a:schemeClr val="accent1">
+              <a:shade val="50000"/>
+            </a:schemeClr>
+          </a:lnRef>
+          <a:fillRef idx="1">
+            <a:schemeClr val="accent1"/>
+          </a:fillRef>
+          <a:effectRef idx="0">
+            <a:schemeClr val="accent1"/>
+          </a:effectRef>
+          <a:fontRef idx="minor">
+            <a:schemeClr val="lt1"/>
+          </a:fontRef>
+        </p:style>
+        <p:txBody>
+          <a:bodyPr rtlCol="0" anchor="ctr"/>
+          <a:lstStyle/>
+          <a:p>
+            <a:pPr algn="ctr"/>
+            <a:endParaRPr lang="pt-BR"/>
+          </a:p>
+        </p:txBody>
+      </p:sp>
+      <p:sp>
+        <p:nvSpPr>
+          <p:cNvPr id="19" name="Elipse 18"/>
+          <p:cNvSpPr/>
+          <p:nvPr/>
+        </p:nvSpPr>
+        <p:spPr>
+          <a:xfrm>
+            <a:off x="9600628" y="6274853"/>
+            <a:ext cx="216000" cy="216000"/>
+          </a:xfrm>
+          <a:prstGeom prst="ellipse">
+            <a:avLst/>
+          </a:prstGeom>
+          <a:solidFill>
+            <a:schemeClr val="tx1"/>
+          </a:solidFill>
+          <a:ln>
+            <a:solidFill>
+              <a:schemeClr val="tx1"/>
+            </a:solidFill>
+          </a:ln>
+        </p:spPr>
+        <p:style>
+          <a:lnRef idx="2">
+            <a:schemeClr val="accent1">
+              <a:shade val="50000"/>
+            </a:schemeClr>
+          </a:lnRef>
+          <a:fillRef idx="1">
+            <a:schemeClr val="accent1"/>
+          </a:fillRef>
+          <a:effectRef idx="0">
+            <a:schemeClr val="accent1"/>
+          </a:effectRef>
+          <a:fontRef idx="minor">
+            <a:schemeClr val="lt1"/>
+          </a:fontRef>
+        </p:style>
+        <p:txBody>
+          <a:bodyPr rtlCol="0" anchor="ctr"/>
+          <a:lstStyle/>
+          <a:p>
+            <a:pPr algn="ctr"/>
+            <a:endParaRPr lang="pt-BR"/>
+          </a:p>
+        </p:txBody>
+      </p:sp>
+      <p:sp>
+        <p:nvSpPr>
+          <p:cNvPr id="20" name="CaixaDeTexto 19"/>
+          <p:cNvSpPr txBox="1"/>
+          <p:nvPr/>
+        </p:nvSpPr>
+        <p:spPr>
+          <a:xfrm>
+            <a:off x="4259707" y="5844559"/>
+            <a:ext cx="2753183" cy="307777"/>
+          </a:xfrm>
+          <a:prstGeom prst="rect">
+            <a:avLst/>
+          </a:prstGeom>
+          <a:noFill/>
+        </p:spPr>
+        <p:txBody>
+          <a:bodyPr wrap="square" rtlCol="0">
+            <a:spAutoFit/>
+          </a:bodyPr>
+          <a:lstStyle/>
+          <a:p>
+            <a:pPr algn="ctr"/>
+            <a:r>
+              <a:rPr lang="pt-BR" sz="1400" dirty="0" smtClean="0">
+                <a:latin typeface="Arial" panose="020B0604020202020204" pitchFamily="34" charset="0"/>
+                <a:cs typeface="Arial" panose="020B0604020202020204" pitchFamily="34" charset="0"/>
+              </a:rPr>
+              <a:t>Atendimento entrega produto</a:t>
+            </a:r>
+          </a:p>
+        </p:txBody>
+      </p:sp>
+      <p:cxnSp>
+        <p:nvCxnSpPr>
+          <p:cNvPr id="21" name="Conector de seta reta 20"/>
+          <p:cNvCxnSpPr>
+            <a:stCxn id="6" idx="2"/>
+          </p:cNvCxnSpPr>
+          <p:nvPr/>
+        </p:nvCxnSpPr>
+        <p:spPr>
+          <a:xfrm>
+            <a:off x="5463925" y="2518357"/>
+            <a:ext cx="0" cy="792063"/>
+          </a:xfrm>
+          <a:prstGeom prst="straightConnector1">
+            <a:avLst/>
+          </a:prstGeom>
+          <a:ln>
+            <a:solidFill>
+              <a:schemeClr val="tx1"/>
+            </a:solidFill>
+            <a:tailEnd type="triangle"/>
+          </a:ln>
+        </p:spPr>
+        <p:style>
+          <a:lnRef idx="1">
+            <a:schemeClr val="accent1"/>
+          </a:lnRef>
+          <a:fillRef idx="0">
+            <a:schemeClr val="accent1"/>
+          </a:fillRef>
+          <a:effectRef idx="0">
+            <a:schemeClr val="accent1"/>
+          </a:effectRef>
+          <a:fontRef idx="minor">
+            <a:schemeClr val="tx1"/>
+          </a:fontRef>
+        </p:style>
+      </p:cxnSp>
+      <p:sp>
+        <p:nvSpPr>
+          <p:cNvPr id="22" name="Retângulo de cantos arredondados 21"/>
+          <p:cNvSpPr/>
+          <p:nvPr/>
+        </p:nvSpPr>
+        <p:spPr>
+          <a:xfrm>
+            <a:off x="4898899" y="5319899"/>
+            <a:ext cx="1184222" cy="586049"/>
+          </a:xfrm>
+          <a:prstGeom prst="roundRect">
+            <a:avLst/>
+          </a:prstGeom>
+          <a:noFill/>
+          <a:ln>
+            <a:solidFill>
+              <a:schemeClr val="tx1"/>
+            </a:solidFill>
+          </a:ln>
+        </p:spPr>
+        <p:style>
+          <a:lnRef idx="2">
+            <a:schemeClr val="accent1">
+              <a:shade val="50000"/>
+            </a:schemeClr>
+          </a:lnRef>
+          <a:fillRef idx="1">
+            <a:schemeClr val="accent1"/>
+          </a:fillRef>
+          <a:effectRef idx="0">
+            <a:schemeClr val="accent1"/>
+          </a:effectRef>
+          <a:fontRef idx="minor">
+            <a:schemeClr val="lt1"/>
+          </a:fontRef>
+        </p:style>
+        <p:txBody>
+          <a:bodyPr rtlCol="0" anchor="ctr"/>
+          <a:lstStyle/>
+          <a:p>
+            <a:pPr algn="ctr"/>
+            <a:endParaRPr lang="pt-BR"/>
+          </a:p>
+        </p:txBody>
+      </p:sp>
+      <p:sp>
+        <p:nvSpPr>
+          <p:cNvPr id="23" name="CaixaDeTexto 22"/>
+          <p:cNvSpPr txBox="1"/>
+          <p:nvPr/>
+        </p:nvSpPr>
+        <p:spPr>
+          <a:xfrm>
+            <a:off x="4977438" y="5453820"/>
+            <a:ext cx="1027144" cy="307777"/>
+          </a:xfrm>
+          <a:prstGeom prst="rect">
+            <a:avLst/>
+          </a:prstGeom>
+          <a:noFill/>
+        </p:spPr>
+        <p:txBody>
+          <a:bodyPr wrap="square" rtlCol="0">
+            <a:spAutoFit/>
+          </a:bodyPr>
+          <a:lstStyle/>
+          <a:p>
+            <a:pPr algn="ctr"/>
+            <a:r>
+              <a:rPr lang="pt-BR" sz="1400" dirty="0" smtClean="0">
+                <a:latin typeface="Arial" panose="020B0604020202020204" pitchFamily="34" charset="0"/>
+                <a:cs typeface="Arial" panose="020B0604020202020204" pitchFamily="34" charset="0"/>
+              </a:rPr>
+              <a:t>Verificado</a:t>
+            </a:r>
+            <a:endParaRPr lang="pt-BR" sz="1400" dirty="0" smtClean="0">
+              <a:latin typeface="Arial" panose="020B0604020202020204" pitchFamily="34" charset="0"/>
+              <a:cs typeface="Arial" panose="020B0604020202020204" pitchFamily="34" charset="0"/>
+            </a:endParaRPr>
+          </a:p>
+        </p:txBody>
+      </p:sp>
+      <p:cxnSp>
+        <p:nvCxnSpPr>
+          <p:cNvPr id="24" name="Conector angulado 23"/>
+          <p:cNvCxnSpPr>
+            <a:stCxn id="11" idx="1"/>
+            <a:endCxn id="22" idx="1"/>
+          </p:cNvCxnSpPr>
+          <p:nvPr/>
+        </p:nvCxnSpPr>
+        <p:spPr>
+          <a:xfrm rot="10800000" flipV="1">
+            <a:off x="4898899" y="4895026"/>
+            <a:ext cx="511184" cy="717897"/>
+          </a:xfrm>
+          <a:prstGeom prst="bentConnector3">
+            <a:avLst>
+              <a:gd name="adj1" fmla="val 370518"/>
+            </a:avLst>
+          </a:prstGeom>
+          <a:ln>
+            <a:solidFill>
+              <a:schemeClr val="tx1"/>
+            </a:solidFill>
+            <a:tailEnd type="triangle"/>
+          </a:ln>
+        </p:spPr>
+        <p:style>
+          <a:lnRef idx="1">
+            <a:schemeClr val="accent1"/>
+          </a:lnRef>
+          <a:fillRef idx="0">
+            <a:schemeClr val="accent1"/>
+          </a:fillRef>
+          <a:effectRef idx="0">
+            <a:schemeClr val="accent1"/>
+          </a:effectRef>
+          <a:fontRef idx="minor">
+            <a:schemeClr val="tx1"/>
+          </a:fontRef>
+        </p:style>
+      </p:cxnSp>
+      <p:cxnSp>
+        <p:nvCxnSpPr>
+          <p:cNvPr id="25" name="Conector angulado 24"/>
+          <p:cNvCxnSpPr>
+            <a:stCxn id="11" idx="3"/>
+            <a:endCxn id="22" idx="3"/>
+          </p:cNvCxnSpPr>
+          <p:nvPr/>
+        </p:nvCxnSpPr>
+        <p:spPr>
+          <a:xfrm>
+            <a:off x="5604955" y="4895027"/>
+            <a:ext cx="478166" cy="717897"/>
+          </a:xfrm>
+          <a:prstGeom prst="bentConnector3">
+            <a:avLst>
+              <a:gd name="adj1" fmla="val 389198"/>
+            </a:avLst>
+          </a:prstGeom>
+          <a:ln>
+            <a:solidFill>
+              <a:schemeClr val="tx1"/>
+            </a:solidFill>
+            <a:tailEnd type="triangle"/>
+          </a:ln>
+        </p:spPr>
+        <p:style>
+          <a:lnRef idx="1">
+            <a:schemeClr val="accent1"/>
+          </a:lnRef>
+          <a:fillRef idx="0">
+            <a:schemeClr val="accent1"/>
+          </a:fillRef>
+          <a:effectRef idx="0">
+            <a:schemeClr val="accent1"/>
+          </a:effectRef>
+          <a:fontRef idx="minor">
+            <a:schemeClr val="tx1"/>
+          </a:fontRef>
+        </p:style>
+      </p:cxnSp>
+      <p:cxnSp>
+        <p:nvCxnSpPr>
+          <p:cNvPr id="26" name="Conector de seta reta 25"/>
+          <p:cNvCxnSpPr>
+            <a:stCxn id="9" idx="2"/>
+            <a:endCxn id="11" idx="0"/>
+          </p:cNvCxnSpPr>
+          <p:nvPr/>
+        </p:nvCxnSpPr>
+        <p:spPr>
+          <a:xfrm>
+            <a:off x="5503757" y="4122323"/>
+            <a:ext cx="3762" cy="626192"/>
+          </a:xfrm>
+          <a:prstGeom prst="straightConnector1">
+            <a:avLst/>
+          </a:prstGeom>
+          <a:ln>
+            <a:solidFill>
+              <a:schemeClr val="tx1"/>
+            </a:solidFill>
+            <a:tailEnd type="triangle"/>
+          </a:ln>
+        </p:spPr>
+        <p:style>
+          <a:lnRef idx="1">
+            <a:schemeClr val="accent1"/>
+          </a:lnRef>
+          <a:fillRef idx="0">
+            <a:schemeClr val="accent1"/>
+          </a:fillRef>
+          <a:effectRef idx="0">
+            <a:schemeClr val="accent1"/>
+          </a:effectRef>
+          <a:fontRef idx="minor">
+            <a:schemeClr val="tx1"/>
+          </a:fontRef>
+        </p:style>
+      </p:cxnSp>
+      <p:sp>
+        <p:nvSpPr>
+          <p:cNvPr id="27" name="CaixaDeTexto 26"/>
+          <p:cNvSpPr txBox="1"/>
+          <p:nvPr/>
+        </p:nvSpPr>
+        <p:spPr>
+          <a:xfrm>
+            <a:off x="8902779" y="6586227"/>
+            <a:ext cx="1611698" cy="307777"/>
+          </a:xfrm>
+          <a:prstGeom prst="rect">
+            <a:avLst/>
+          </a:prstGeom>
+          <a:noFill/>
+        </p:spPr>
+        <p:txBody>
+          <a:bodyPr wrap="square" rtlCol="0">
+            <a:spAutoFit/>
+          </a:bodyPr>
+          <a:lstStyle/>
+          <a:p>
+            <a:pPr algn="ctr"/>
+            <a:r>
+              <a:rPr lang="pt-BR" sz="1400" dirty="0" smtClean="0">
+                <a:latin typeface="Arial" panose="020B0604020202020204" pitchFamily="34" charset="0"/>
+                <a:cs typeface="Arial" panose="020B0604020202020204" pitchFamily="34" charset="0"/>
+              </a:rPr>
+              <a:t>Finalizado</a:t>
+            </a:r>
+          </a:p>
+        </p:txBody>
+      </p:sp>
+    </p:spTree>
+    <p:extLst>
+      <p:ext uri="{BB962C8B-B14F-4D97-AF65-F5344CB8AC3E}">
+        <p14:creationId xmlns:p14="http://schemas.microsoft.com/office/powerpoint/2010/main" val="497299260"/>
+      </p:ext>
+    </p:extLst>
+  </p:cSld>
+  <p:clrMapOvr>
+    <a:masterClrMapping/>
+  </p:clrMapOvr>
 </p:sld>
 </file>
 

--- a/21 - Análise do Ciclo de Vida.pptx
+++ b/21 - Análise do Ciclo de Vida.pptx
@@ -7,6 +7,7 @@
   <p:sldIdLst>
     <p:sldId id="256" r:id="rId2"/>
     <p:sldId id="257" r:id="rId3"/>
+    <p:sldId id="258" r:id="rId4"/>
   </p:sldIdLst>
   <p:sldSz cx="12192000" cy="6858000"/>
   <p:notesSz cx="6858000" cy="9144000"/>
@@ -244,7 +245,7 @@
           <a:p>
             <a:fld id="{9C4CD2B1-1E42-4D78-8B25-56E1CBBA15A1}" type="datetimeFigureOut">
               <a:rPr lang="pt-BR" smtClean="0"/>
-              <a:t>09/10/2020</a:t>
+              <a:t>01/11/2020</a:t>
             </a:fld>
             <a:endParaRPr lang="pt-BR"/>
           </a:p>
@@ -414,7 +415,7 @@
           <a:p>
             <a:fld id="{9C4CD2B1-1E42-4D78-8B25-56E1CBBA15A1}" type="datetimeFigureOut">
               <a:rPr lang="pt-BR" smtClean="0"/>
-              <a:t>09/10/2020</a:t>
+              <a:t>01/11/2020</a:t>
             </a:fld>
             <a:endParaRPr lang="pt-BR"/>
           </a:p>
@@ -594,7 +595,7 @@
           <a:p>
             <a:fld id="{9C4CD2B1-1E42-4D78-8B25-56E1CBBA15A1}" type="datetimeFigureOut">
               <a:rPr lang="pt-BR" smtClean="0"/>
-              <a:t>09/10/2020</a:t>
+              <a:t>01/11/2020</a:t>
             </a:fld>
             <a:endParaRPr lang="pt-BR"/>
           </a:p>
@@ -764,7 +765,7 @@
           <a:p>
             <a:fld id="{9C4CD2B1-1E42-4D78-8B25-56E1CBBA15A1}" type="datetimeFigureOut">
               <a:rPr lang="pt-BR" smtClean="0"/>
-              <a:t>09/10/2020</a:t>
+              <a:t>01/11/2020</a:t>
             </a:fld>
             <a:endParaRPr lang="pt-BR"/>
           </a:p>
@@ -1010,7 +1011,7 @@
           <a:p>
             <a:fld id="{9C4CD2B1-1E42-4D78-8B25-56E1CBBA15A1}" type="datetimeFigureOut">
               <a:rPr lang="pt-BR" smtClean="0"/>
-              <a:t>09/10/2020</a:t>
+              <a:t>01/11/2020</a:t>
             </a:fld>
             <a:endParaRPr lang="pt-BR"/>
           </a:p>
@@ -1242,7 +1243,7 @@
           <a:p>
             <a:fld id="{9C4CD2B1-1E42-4D78-8B25-56E1CBBA15A1}" type="datetimeFigureOut">
               <a:rPr lang="pt-BR" smtClean="0"/>
-              <a:t>09/10/2020</a:t>
+              <a:t>01/11/2020</a:t>
             </a:fld>
             <a:endParaRPr lang="pt-BR"/>
           </a:p>
@@ -1609,7 +1610,7 @@
           <a:p>
             <a:fld id="{9C4CD2B1-1E42-4D78-8B25-56E1CBBA15A1}" type="datetimeFigureOut">
               <a:rPr lang="pt-BR" smtClean="0"/>
-              <a:t>09/10/2020</a:t>
+              <a:t>01/11/2020</a:t>
             </a:fld>
             <a:endParaRPr lang="pt-BR"/>
           </a:p>
@@ -1727,7 +1728,7 @@
           <a:p>
             <a:fld id="{9C4CD2B1-1E42-4D78-8B25-56E1CBBA15A1}" type="datetimeFigureOut">
               <a:rPr lang="pt-BR" smtClean="0"/>
-              <a:t>09/10/2020</a:t>
+              <a:t>01/11/2020</a:t>
             </a:fld>
             <a:endParaRPr lang="pt-BR"/>
           </a:p>
@@ -1822,7 +1823,7 @@
           <a:p>
             <a:fld id="{9C4CD2B1-1E42-4D78-8B25-56E1CBBA15A1}" type="datetimeFigureOut">
               <a:rPr lang="pt-BR" smtClean="0"/>
-              <a:t>09/10/2020</a:t>
+              <a:t>01/11/2020</a:t>
             </a:fld>
             <a:endParaRPr lang="pt-BR"/>
           </a:p>
@@ -2099,7 +2100,7 @@
           <a:p>
             <a:fld id="{9C4CD2B1-1E42-4D78-8B25-56E1CBBA15A1}" type="datetimeFigureOut">
               <a:rPr lang="pt-BR" smtClean="0"/>
-              <a:t>09/10/2020</a:t>
+              <a:t>01/11/2020</a:t>
             </a:fld>
             <a:endParaRPr lang="pt-BR"/>
           </a:p>
@@ -2352,7 +2353,7 @@
           <a:p>
             <a:fld id="{9C4CD2B1-1E42-4D78-8B25-56E1CBBA15A1}" type="datetimeFigureOut">
               <a:rPr lang="pt-BR" smtClean="0"/>
-              <a:t>09/10/2020</a:t>
+              <a:t>01/11/2020</a:t>
             </a:fld>
             <a:endParaRPr lang="pt-BR"/>
           </a:p>
@@ -2565,7 +2566,7 @@
           <a:p>
             <a:fld id="{9C4CD2B1-1E42-4D78-8B25-56E1CBBA15A1}" type="datetimeFigureOut">
               <a:rPr lang="pt-BR" smtClean="0"/>
-              <a:t>09/10/2020</a:t>
+              <a:t>01/11/2020</a:t>
             </a:fld>
             <a:endParaRPr lang="pt-BR"/>
           </a:p>
@@ -2975,7 +2976,7 @@
           <p:cNvPr id="2" name="Título 1">
             <a:extLst>
               <a:ext uri="{FF2B5EF4-FFF2-40B4-BE49-F238E27FC236}">
-                <a16:creationId xmlns:a16="http://schemas.microsoft.com/office/drawing/2014/main" xmlns="" id="{7332FCC1-6269-482F-B964-CF10B26D2D7B}"/>
+                <a16:creationId xmlns="" xmlns:a16="http://schemas.microsoft.com/office/drawing/2014/main" id="{7332FCC1-6269-482F-B964-CF10B26D2D7B}"/>
               </a:ext>
             </a:extLst>
           </p:cNvPr>
@@ -4107,7 +4108,7 @@
           <p:cNvPr id="2" name="Título 1">
             <a:extLst>
               <a:ext uri="{FF2B5EF4-FFF2-40B4-BE49-F238E27FC236}">
-                <a16:creationId xmlns:a16="http://schemas.microsoft.com/office/drawing/2014/main" xmlns="" id="{7332FCC1-6269-482F-B964-CF10B26D2D7B}"/>
+                <a16:creationId xmlns="" xmlns:a16="http://schemas.microsoft.com/office/drawing/2014/main" id="{7332FCC1-6269-482F-B964-CF10B26D2D7B}"/>
               </a:ext>
             </a:extLst>
           </p:cNvPr>
@@ -4149,11 +4150,7 @@
           <a:p>
             <a:r>
               <a:rPr lang="pt-BR" dirty="0" smtClean="0"/>
-              <a:t>Ciclo de Vida </a:t>
-            </a:r>
-            <a:r>
-              <a:rPr lang="pt-BR" dirty="0" smtClean="0"/>
-              <a:t>da Troca</a:t>
+              <a:t>Ciclo de Vida da Troca</a:t>
             </a:r>
             <a:endParaRPr lang="pt-BR" dirty="0"/>
           </a:p>
@@ -4274,28 +4271,7 @@
                 <a:latin typeface="Arial" panose="020B0604020202020204" pitchFamily="34" charset="0"/>
                 <a:cs typeface="Arial" panose="020B0604020202020204" pitchFamily="34" charset="0"/>
               </a:rPr>
-              <a:t>Cliente </a:t>
-            </a:r>
-            <a:r>
-              <a:rPr lang="pt-BR" sz="1400" dirty="0" smtClean="0">
-                <a:latin typeface="Arial" panose="020B0604020202020204" pitchFamily="34" charset="0"/>
-                <a:cs typeface="Arial" panose="020B0604020202020204" pitchFamily="34" charset="0"/>
-              </a:rPr>
-              <a:t>solicita</a:t>
-            </a:r>
-            <a:r>
-              <a:rPr lang="pt-BR" sz="1400" dirty="0" smtClean="0">
-                <a:latin typeface="Arial" panose="020B0604020202020204" pitchFamily="34" charset="0"/>
-                <a:cs typeface="Arial" panose="020B0604020202020204" pitchFamily="34" charset="0"/>
-              </a:rPr>
-              <a:t> </a:t>
-            </a:r>
-            <a:r>
-              <a:rPr lang="pt-BR" sz="1400" dirty="0" smtClean="0">
-                <a:latin typeface="Arial" panose="020B0604020202020204" pitchFamily="34" charset="0"/>
-                <a:cs typeface="Arial" panose="020B0604020202020204" pitchFamily="34" charset="0"/>
-              </a:rPr>
-              <a:t>troca</a:t>
+              <a:t>Cliente solicita troca</a:t>
             </a:r>
             <a:endParaRPr lang="pt-BR" sz="1400" dirty="0"/>
           </a:p>
@@ -4405,14 +4381,7 @@
                 <a:latin typeface="Arial" panose="020B0604020202020204" pitchFamily="34" charset="0"/>
                 <a:cs typeface="Arial" panose="020B0604020202020204" pitchFamily="34" charset="0"/>
               </a:rPr>
-              <a:t>Cliente </a:t>
-            </a:r>
-            <a:r>
-              <a:rPr lang="pt-BR" sz="1400" dirty="0" smtClean="0">
-                <a:latin typeface="Arial" panose="020B0604020202020204" pitchFamily="34" charset="0"/>
-                <a:cs typeface="Arial" panose="020B0604020202020204" pitchFamily="34" charset="0"/>
-              </a:rPr>
-              <a:t>entrega o produto</a:t>
+              <a:t>Cliente entrega o produto</a:t>
             </a:r>
             <a:endParaRPr lang="pt-BR" sz="1400" dirty="0">
               <a:latin typeface="Arial" panose="020B0604020202020204" pitchFamily="34" charset="0"/>
@@ -4497,10 +4466,6 @@
               </a:rPr>
               <a:t>Verificando</a:t>
             </a:r>
-            <a:endParaRPr lang="pt-BR" sz="1400" dirty="0" smtClean="0">
-              <a:latin typeface="Arial" panose="020B0604020202020204" pitchFamily="34" charset="0"/>
-              <a:cs typeface="Arial" panose="020B0604020202020204" pitchFamily="34" charset="0"/>
-            </a:endParaRPr>
           </a:p>
         </p:txBody>
       </p:sp>
@@ -5020,10 +4985,6 @@
               </a:rPr>
               <a:t>Verificado</a:t>
             </a:r>
-            <a:endParaRPr lang="pt-BR" sz="1400" dirty="0" smtClean="0">
-              <a:latin typeface="Arial" panose="020B0604020202020204" pitchFamily="34" charset="0"/>
-              <a:cs typeface="Arial" panose="020B0604020202020204" pitchFamily="34" charset="0"/>
-            </a:endParaRPr>
           </a:p>
         </p:txBody>
       </p:sp>
@@ -5185,6 +5146,1410 @@
     <p:extLst>
       <p:ext uri="{BB962C8B-B14F-4D97-AF65-F5344CB8AC3E}">
         <p14:creationId xmlns:p14="http://schemas.microsoft.com/office/powerpoint/2010/main" val="497299260"/>
+      </p:ext>
+    </p:extLst>
+  </p:cSld>
+  <p:clrMapOvr>
+    <a:masterClrMapping/>
+  </p:clrMapOvr>
+</p:sld>
+</file>
+
+<file path=ppt/slides/slide3.xml><?xml version="1.0" encoding="utf-8"?>
+<p:sld xmlns:a="http://schemas.openxmlformats.org/drawingml/2006/main" xmlns:r="http://schemas.openxmlformats.org/officeDocument/2006/relationships" xmlns:p="http://schemas.openxmlformats.org/presentationml/2006/main">
+  <p:cSld>
+    <p:spTree>
+      <p:nvGrpSpPr>
+        <p:cNvPr id="1" name=""/>
+        <p:cNvGrpSpPr/>
+        <p:nvPr/>
+      </p:nvGrpSpPr>
+      <p:grpSpPr>
+        <a:xfrm>
+          <a:off x="0" y="0"/>
+          <a:ext cx="0" cy="0"/>
+          <a:chOff x="0" y="0"/>
+          <a:chExt cx="0" cy="0"/>
+        </a:xfrm>
+      </p:grpSpPr>
+      <p:sp>
+        <p:nvSpPr>
+          <p:cNvPr id="2" name="Título 1">
+            <a:extLst>
+              <a:ext uri="{FF2B5EF4-FFF2-40B4-BE49-F238E27FC236}">
+                <a16:creationId xmlns="" xmlns:a16="http://schemas.microsoft.com/office/drawing/2014/main" id="{7332FCC1-6269-482F-B964-CF10B26D2D7B}"/>
+              </a:ext>
+            </a:extLst>
+          </p:cNvPr>
+          <p:cNvSpPr txBox="1">
+            <a:spLocks/>
+          </p:cNvSpPr>
+          <p:nvPr/>
+        </p:nvSpPr>
+        <p:spPr>
+          <a:xfrm>
+            <a:off x="0" y="110293"/>
+            <a:ext cx="10515600" cy="624225"/>
+          </a:xfrm>
+          <a:prstGeom prst="rect">
+            <a:avLst/>
+          </a:prstGeom>
+        </p:spPr>
+        <p:txBody>
+          <a:bodyPr/>
+          <a:lstStyle>
+            <a:lvl1pPr algn="l" defTabSz="914400" rtl="0" eaLnBrk="1" latinLnBrk="0" hangingPunct="1">
+              <a:lnSpc>
+                <a:spcPct val="90000"/>
+              </a:lnSpc>
+              <a:spcBef>
+                <a:spcPct val="0"/>
+              </a:spcBef>
+              <a:buNone/>
+              <a:defRPr sz="4400" kern="1200">
+                <a:solidFill>
+                  <a:schemeClr val="tx1"/>
+                </a:solidFill>
+                <a:latin typeface="+mj-lt"/>
+                <a:ea typeface="+mj-ea"/>
+                <a:cs typeface="+mj-cs"/>
+              </a:defRPr>
+            </a:lvl1pPr>
+          </a:lstStyle>
+          <a:p>
+            <a:r>
+              <a:rPr lang="pt-BR" dirty="0" smtClean="0"/>
+              <a:t>Ciclo de Vida da encomenda</a:t>
+            </a:r>
+            <a:endParaRPr lang="pt-BR" dirty="0"/>
+          </a:p>
+        </p:txBody>
+      </p:sp>
+      <p:sp>
+        <p:nvSpPr>
+          <p:cNvPr id="3" name="Elipse 2"/>
+          <p:cNvSpPr/>
+          <p:nvPr/>
+        </p:nvSpPr>
+        <p:spPr>
+          <a:xfrm>
+            <a:off x="5246554" y="959375"/>
+            <a:ext cx="404735" cy="434715"/>
+          </a:xfrm>
+          <a:prstGeom prst="ellipse">
+            <a:avLst/>
+          </a:prstGeom>
+          <a:solidFill>
+            <a:schemeClr val="tx1"/>
+          </a:solidFill>
+          <a:ln>
+            <a:solidFill>
+              <a:schemeClr val="tx1"/>
+            </a:solidFill>
+          </a:ln>
+        </p:spPr>
+        <p:style>
+          <a:lnRef idx="2">
+            <a:schemeClr val="accent1">
+              <a:shade val="50000"/>
+            </a:schemeClr>
+          </a:lnRef>
+          <a:fillRef idx="1">
+            <a:schemeClr val="accent1"/>
+          </a:fillRef>
+          <a:effectRef idx="0">
+            <a:schemeClr val="accent1"/>
+          </a:effectRef>
+          <a:fontRef idx="minor">
+            <a:schemeClr val="lt1"/>
+          </a:fontRef>
+        </p:style>
+        <p:txBody>
+          <a:bodyPr rtlCol="0" anchor="ctr"/>
+          <a:lstStyle/>
+          <a:p>
+            <a:pPr algn="ctr"/>
+            <a:endParaRPr lang="pt-BR"/>
+          </a:p>
+        </p:txBody>
+      </p:sp>
+      <p:cxnSp>
+        <p:nvCxnSpPr>
+          <p:cNvPr id="4" name="Conector de seta reta 3"/>
+          <p:cNvCxnSpPr>
+            <a:stCxn id="3" idx="4"/>
+          </p:cNvCxnSpPr>
+          <p:nvPr/>
+        </p:nvCxnSpPr>
+        <p:spPr>
+          <a:xfrm flipH="1">
+            <a:off x="5441435" y="1394090"/>
+            <a:ext cx="7487" cy="509663"/>
+          </a:xfrm>
+          <a:prstGeom prst="straightConnector1">
+            <a:avLst/>
+          </a:prstGeom>
+          <a:ln>
+            <a:solidFill>
+              <a:schemeClr val="tx1"/>
+            </a:solidFill>
+            <a:tailEnd type="triangle"/>
+          </a:ln>
+        </p:spPr>
+        <p:style>
+          <a:lnRef idx="1">
+            <a:schemeClr val="accent1"/>
+          </a:lnRef>
+          <a:fillRef idx="0">
+            <a:schemeClr val="accent1"/>
+          </a:fillRef>
+          <a:effectRef idx="0">
+            <a:schemeClr val="accent1"/>
+          </a:effectRef>
+          <a:fontRef idx="minor">
+            <a:schemeClr val="tx1"/>
+          </a:fontRef>
+        </p:style>
+      </p:cxnSp>
+      <p:sp>
+        <p:nvSpPr>
+          <p:cNvPr id="5" name="CaixaDeTexto 4"/>
+          <p:cNvSpPr txBox="1"/>
+          <p:nvPr/>
+        </p:nvSpPr>
+        <p:spPr>
+          <a:xfrm>
+            <a:off x="4356647" y="1437562"/>
+            <a:ext cx="2373430" cy="307777"/>
+          </a:xfrm>
+          <a:prstGeom prst="rect">
+            <a:avLst/>
+          </a:prstGeom>
+          <a:solidFill>
+            <a:schemeClr val="bg1"/>
+          </a:solidFill>
+        </p:spPr>
+        <p:txBody>
+          <a:bodyPr wrap="square" rtlCol="0">
+            <a:spAutoFit/>
+          </a:bodyPr>
+          <a:lstStyle/>
+          <a:p>
+            <a:r>
+              <a:rPr lang="pt-BR" sz="1400" dirty="0" smtClean="0">
+                <a:latin typeface="Arial" panose="020B0604020202020204" pitchFamily="34" charset="0"/>
+                <a:cs typeface="Arial" panose="020B0604020202020204" pitchFamily="34" charset="0"/>
+              </a:rPr>
+              <a:t>Cliente solicita encomenda</a:t>
+            </a:r>
+            <a:endParaRPr lang="pt-BR" sz="1400" dirty="0"/>
+          </a:p>
+        </p:txBody>
+      </p:sp>
+      <p:sp>
+        <p:nvSpPr>
+          <p:cNvPr id="6" name="Retângulo de cantos arredondados 5"/>
+          <p:cNvSpPr/>
+          <p:nvPr/>
+        </p:nvSpPr>
+        <p:spPr>
+          <a:xfrm>
+            <a:off x="4871814" y="1932308"/>
+            <a:ext cx="1184222" cy="586049"/>
+          </a:xfrm>
+          <a:prstGeom prst="roundRect">
+            <a:avLst/>
+          </a:prstGeom>
+          <a:noFill/>
+          <a:ln>
+            <a:solidFill>
+              <a:schemeClr val="tx1"/>
+            </a:solidFill>
+          </a:ln>
+        </p:spPr>
+        <p:style>
+          <a:lnRef idx="2">
+            <a:schemeClr val="accent1">
+              <a:shade val="50000"/>
+            </a:schemeClr>
+          </a:lnRef>
+          <a:fillRef idx="1">
+            <a:schemeClr val="accent1"/>
+          </a:fillRef>
+          <a:effectRef idx="0">
+            <a:schemeClr val="accent1"/>
+          </a:effectRef>
+          <a:fontRef idx="minor">
+            <a:schemeClr val="lt1"/>
+          </a:fontRef>
+        </p:style>
+        <p:txBody>
+          <a:bodyPr rtlCol="0" anchor="ctr"/>
+          <a:lstStyle/>
+          <a:p>
+            <a:pPr algn="ctr"/>
+            <a:endParaRPr lang="pt-BR"/>
+          </a:p>
+        </p:txBody>
+      </p:sp>
+      <p:sp>
+        <p:nvSpPr>
+          <p:cNvPr id="7" name="CaixaDeTexto 6"/>
+          <p:cNvSpPr txBox="1"/>
+          <p:nvPr/>
+        </p:nvSpPr>
+        <p:spPr>
+          <a:xfrm>
+            <a:off x="5081661" y="2083642"/>
+            <a:ext cx="704538" cy="311953"/>
+          </a:xfrm>
+          <a:prstGeom prst="rect">
+            <a:avLst/>
+          </a:prstGeom>
+          <a:noFill/>
+        </p:spPr>
+        <p:txBody>
+          <a:bodyPr wrap="square" rtlCol="0">
+            <a:spAutoFit/>
+          </a:bodyPr>
+          <a:lstStyle/>
+          <a:p>
+            <a:r>
+              <a:rPr lang="pt-BR" sz="1400" dirty="0" smtClean="0">
+                <a:latin typeface="Arial" panose="020B0604020202020204" pitchFamily="34" charset="0"/>
+                <a:cs typeface="Arial" panose="020B0604020202020204" pitchFamily="34" charset="0"/>
+              </a:rPr>
+              <a:t>aberto</a:t>
+            </a:r>
+          </a:p>
+        </p:txBody>
+      </p:sp>
+      <p:sp>
+        <p:nvSpPr>
+          <p:cNvPr id="9" name="Retângulo de cantos arredondados 8"/>
+          <p:cNvSpPr/>
+          <p:nvPr/>
+        </p:nvSpPr>
+        <p:spPr>
+          <a:xfrm>
+            <a:off x="4911646" y="3335995"/>
+            <a:ext cx="1184222" cy="786328"/>
+          </a:xfrm>
+          <a:prstGeom prst="roundRect">
+            <a:avLst/>
+          </a:prstGeom>
+          <a:noFill/>
+          <a:ln>
+            <a:solidFill>
+              <a:schemeClr val="tx1"/>
+            </a:solidFill>
+          </a:ln>
+        </p:spPr>
+        <p:style>
+          <a:lnRef idx="2">
+            <a:schemeClr val="accent1">
+              <a:shade val="50000"/>
+            </a:schemeClr>
+          </a:lnRef>
+          <a:fillRef idx="1">
+            <a:schemeClr val="accent1"/>
+          </a:fillRef>
+          <a:effectRef idx="0">
+            <a:schemeClr val="accent1"/>
+          </a:effectRef>
+          <a:fontRef idx="minor">
+            <a:schemeClr val="lt1"/>
+          </a:fontRef>
+        </p:style>
+        <p:txBody>
+          <a:bodyPr rtlCol="0" anchor="ctr"/>
+          <a:lstStyle/>
+          <a:p>
+            <a:pPr algn="ctr"/>
+            <a:endParaRPr lang="pt-BR"/>
+          </a:p>
+        </p:txBody>
+      </p:sp>
+      <p:sp>
+        <p:nvSpPr>
+          <p:cNvPr id="10" name="CaixaDeTexto 9"/>
+          <p:cNvSpPr txBox="1"/>
+          <p:nvPr/>
+        </p:nvSpPr>
+        <p:spPr>
+          <a:xfrm>
+            <a:off x="4630320" y="3531881"/>
+            <a:ext cx="1693889" cy="307777"/>
+          </a:xfrm>
+          <a:prstGeom prst="rect">
+            <a:avLst/>
+          </a:prstGeom>
+          <a:noFill/>
+        </p:spPr>
+        <p:txBody>
+          <a:bodyPr wrap="square" rtlCol="0">
+            <a:spAutoFit/>
+          </a:bodyPr>
+          <a:lstStyle/>
+          <a:p>
+            <a:pPr algn="ctr"/>
+            <a:r>
+              <a:rPr lang="pt-BR" sz="1400" dirty="0" smtClean="0">
+                <a:latin typeface="Arial" panose="020B0604020202020204" pitchFamily="34" charset="0"/>
+                <a:cs typeface="Arial" panose="020B0604020202020204" pitchFamily="34" charset="0"/>
+              </a:rPr>
+              <a:t>Verificando</a:t>
+            </a:r>
+          </a:p>
+        </p:txBody>
+      </p:sp>
+      <p:sp>
+        <p:nvSpPr>
+          <p:cNvPr id="11" name="Fluxograma: Decisão 10"/>
+          <p:cNvSpPr/>
+          <p:nvPr/>
+        </p:nvSpPr>
+        <p:spPr>
+          <a:xfrm>
+            <a:off x="5410083" y="4748515"/>
+            <a:ext cx="194872" cy="293024"/>
+          </a:xfrm>
+          <a:prstGeom prst="flowChartDecision">
+            <a:avLst/>
+          </a:prstGeom>
+          <a:noFill/>
+          <a:ln>
+            <a:solidFill>
+              <a:schemeClr val="tx1"/>
+            </a:solidFill>
+          </a:ln>
+        </p:spPr>
+        <p:style>
+          <a:lnRef idx="2">
+            <a:schemeClr val="accent1">
+              <a:shade val="50000"/>
+            </a:schemeClr>
+          </a:lnRef>
+          <a:fillRef idx="1">
+            <a:schemeClr val="accent1"/>
+          </a:fillRef>
+          <a:effectRef idx="0">
+            <a:schemeClr val="accent1"/>
+          </a:effectRef>
+          <a:fontRef idx="minor">
+            <a:schemeClr val="lt1"/>
+          </a:fontRef>
+        </p:style>
+        <p:txBody>
+          <a:bodyPr rtlCol="0" anchor="ctr"/>
+          <a:lstStyle/>
+          <a:p>
+            <a:pPr algn="ctr"/>
+            <a:r>
+              <a:rPr lang="pt-BR" dirty="0" smtClean="0"/>
+              <a:t>v</a:t>
+            </a:r>
+            <a:endParaRPr lang="pt-BR" dirty="0"/>
+          </a:p>
+        </p:txBody>
+      </p:sp>
+      <p:sp>
+        <p:nvSpPr>
+          <p:cNvPr id="12" name="Retângulo 11"/>
+          <p:cNvSpPr/>
+          <p:nvPr/>
+        </p:nvSpPr>
+        <p:spPr>
+          <a:xfrm>
+            <a:off x="3309726" y="4577527"/>
+            <a:ext cx="1996059" cy="307777"/>
+          </a:xfrm>
+          <a:prstGeom prst="rect">
+            <a:avLst/>
+          </a:prstGeom>
+        </p:spPr>
+        <p:txBody>
+          <a:bodyPr wrap="none">
+            <a:spAutoFit/>
+          </a:bodyPr>
+          <a:lstStyle/>
+          <a:p>
+            <a:r>
+              <a:rPr lang="pt-BR" sz="1400" dirty="0" smtClean="0">
+                <a:latin typeface="Arial" panose="020B0604020202020204" pitchFamily="34" charset="0"/>
+                <a:cs typeface="Arial" panose="020B0604020202020204" pitchFamily="34" charset="0"/>
+              </a:rPr>
+              <a:t>Encomenda disponível</a:t>
+            </a:r>
+            <a:endParaRPr lang="pt-BR" sz="1400" dirty="0">
+              <a:latin typeface="Arial" panose="020B0604020202020204" pitchFamily="34" charset="0"/>
+              <a:cs typeface="Arial" panose="020B0604020202020204" pitchFamily="34" charset="0"/>
+            </a:endParaRPr>
+          </a:p>
+        </p:txBody>
+      </p:sp>
+      <p:sp>
+        <p:nvSpPr>
+          <p:cNvPr id="13" name="Retângulo 12"/>
+          <p:cNvSpPr/>
+          <p:nvPr/>
+        </p:nvSpPr>
+        <p:spPr>
+          <a:xfrm>
+            <a:off x="5844038" y="4582700"/>
+            <a:ext cx="2135521" cy="307777"/>
+          </a:xfrm>
+          <a:prstGeom prst="rect">
+            <a:avLst/>
+          </a:prstGeom>
+        </p:spPr>
+        <p:txBody>
+          <a:bodyPr wrap="none">
+            <a:spAutoFit/>
+          </a:bodyPr>
+          <a:lstStyle/>
+          <a:p>
+            <a:r>
+              <a:rPr lang="pt-BR" sz="1400" dirty="0" smtClean="0">
+                <a:latin typeface="Arial" panose="020B0604020202020204" pitchFamily="34" charset="0"/>
+                <a:cs typeface="Arial" panose="020B0604020202020204" pitchFamily="34" charset="0"/>
+              </a:rPr>
+              <a:t>Encomenda indisponível</a:t>
+            </a:r>
+            <a:endParaRPr lang="pt-BR" sz="1400" dirty="0">
+              <a:latin typeface="Arial" panose="020B0604020202020204" pitchFamily="34" charset="0"/>
+              <a:cs typeface="Arial" panose="020B0604020202020204" pitchFamily="34" charset="0"/>
+            </a:endParaRPr>
+          </a:p>
+        </p:txBody>
+      </p:sp>
+      <p:sp>
+        <p:nvSpPr>
+          <p:cNvPr id="15" name="Retângulo de cantos arredondados 14"/>
+          <p:cNvSpPr/>
+          <p:nvPr/>
+        </p:nvSpPr>
+        <p:spPr>
+          <a:xfrm>
+            <a:off x="3277998" y="6173659"/>
+            <a:ext cx="1184222" cy="406746"/>
+          </a:xfrm>
+          <a:prstGeom prst="roundRect">
+            <a:avLst/>
+          </a:prstGeom>
+          <a:noFill/>
+          <a:ln>
+            <a:solidFill>
+              <a:schemeClr val="tx1"/>
+            </a:solidFill>
+          </a:ln>
+        </p:spPr>
+        <p:style>
+          <a:lnRef idx="2">
+            <a:schemeClr val="accent1">
+              <a:shade val="50000"/>
+            </a:schemeClr>
+          </a:lnRef>
+          <a:fillRef idx="1">
+            <a:schemeClr val="accent1"/>
+          </a:fillRef>
+          <a:effectRef idx="0">
+            <a:schemeClr val="accent1"/>
+          </a:effectRef>
+          <a:fontRef idx="minor">
+            <a:schemeClr val="lt1"/>
+          </a:fontRef>
+        </p:style>
+        <p:txBody>
+          <a:bodyPr rtlCol="0" anchor="ctr"/>
+          <a:lstStyle/>
+          <a:p>
+            <a:pPr algn="ctr"/>
+            <a:endParaRPr lang="pt-BR"/>
+          </a:p>
+        </p:txBody>
+      </p:sp>
+      <p:sp>
+        <p:nvSpPr>
+          <p:cNvPr id="16" name="CaixaDeTexto 15"/>
+          <p:cNvSpPr txBox="1"/>
+          <p:nvPr/>
+        </p:nvSpPr>
+        <p:spPr>
+          <a:xfrm>
+            <a:off x="2995397" y="6223143"/>
+            <a:ext cx="1693889" cy="307777"/>
+          </a:xfrm>
+          <a:prstGeom prst="rect">
+            <a:avLst/>
+          </a:prstGeom>
+          <a:noFill/>
+        </p:spPr>
+        <p:txBody>
+          <a:bodyPr wrap="square" rtlCol="0">
+            <a:spAutoFit/>
+          </a:bodyPr>
+          <a:lstStyle/>
+          <a:p>
+            <a:pPr algn="ctr"/>
+            <a:r>
+              <a:rPr lang="pt-BR" sz="1400" dirty="0" smtClean="0">
+                <a:latin typeface="Arial" panose="020B0604020202020204" pitchFamily="34" charset="0"/>
+                <a:cs typeface="Arial" panose="020B0604020202020204" pitchFamily="34" charset="0"/>
+              </a:rPr>
+              <a:t>Concluído</a:t>
+            </a:r>
+          </a:p>
+        </p:txBody>
+      </p:sp>
+      <p:sp>
+        <p:nvSpPr>
+          <p:cNvPr id="18" name="Elipse 17"/>
+          <p:cNvSpPr/>
+          <p:nvPr/>
+        </p:nvSpPr>
+        <p:spPr>
+          <a:xfrm>
+            <a:off x="9506261" y="6165496"/>
+            <a:ext cx="404735" cy="434715"/>
+          </a:xfrm>
+          <a:prstGeom prst="ellipse">
+            <a:avLst/>
+          </a:prstGeom>
+          <a:solidFill>
+            <a:schemeClr val="bg1"/>
+          </a:solidFill>
+          <a:ln>
+            <a:solidFill>
+              <a:schemeClr val="tx1"/>
+            </a:solidFill>
+          </a:ln>
+        </p:spPr>
+        <p:style>
+          <a:lnRef idx="2">
+            <a:schemeClr val="accent1">
+              <a:shade val="50000"/>
+            </a:schemeClr>
+          </a:lnRef>
+          <a:fillRef idx="1">
+            <a:schemeClr val="accent1"/>
+          </a:fillRef>
+          <a:effectRef idx="0">
+            <a:schemeClr val="accent1"/>
+          </a:effectRef>
+          <a:fontRef idx="minor">
+            <a:schemeClr val="lt1"/>
+          </a:fontRef>
+        </p:style>
+        <p:txBody>
+          <a:bodyPr rtlCol="0" anchor="ctr"/>
+          <a:lstStyle/>
+          <a:p>
+            <a:pPr algn="ctr"/>
+            <a:endParaRPr lang="pt-BR"/>
+          </a:p>
+        </p:txBody>
+      </p:sp>
+      <p:sp>
+        <p:nvSpPr>
+          <p:cNvPr id="19" name="Elipse 18"/>
+          <p:cNvSpPr/>
+          <p:nvPr/>
+        </p:nvSpPr>
+        <p:spPr>
+          <a:xfrm>
+            <a:off x="9600628" y="6274853"/>
+            <a:ext cx="216000" cy="216000"/>
+          </a:xfrm>
+          <a:prstGeom prst="ellipse">
+            <a:avLst/>
+          </a:prstGeom>
+          <a:solidFill>
+            <a:schemeClr val="tx1"/>
+          </a:solidFill>
+          <a:ln>
+            <a:solidFill>
+              <a:schemeClr val="tx1"/>
+            </a:solidFill>
+          </a:ln>
+        </p:spPr>
+        <p:style>
+          <a:lnRef idx="2">
+            <a:schemeClr val="accent1">
+              <a:shade val="50000"/>
+            </a:schemeClr>
+          </a:lnRef>
+          <a:fillRef idx="1">
+            <a:schemeClr val="accent1"/>
+          </a:fillRef>
+          <a:effectRef idx="0">
+            <a:schemeClr val="accent1"/>
+          </a:effectRef>
+          <a:fontRef idx="minor">
+            <a:schemeClr val="lt1"/>
+          </a:fontRef>
+        </p:style>
+        <p:txBody>
+          <a:bodyPr rtlCol="0" anchor="ctr"/>
+          <a:lstStyle/>
+          <a:p>
+            <a:pPr algn="ctr"/>
+            <a:endParaRPr lang="pt-BR"/>
+          </a:p>
+        </p:txBody>
+      </p:sp>
+      <p:cxnSp>
+        <p:nvCxnSpPr>
+          <p:cNvPr id="21" name="Conector de seta reta 20"/>
+          <p:cNvCxnSpPr>
+            <a:stCxn id="6" idx="2"/>
+          </p:cNvCxnSpPr>
+          <p:nvPr/>
+        </p:nvCxnSpPr>
+        <p:spPr>
+          <a:xfrm>
+            <a:off x="5463925" y="2518357"/>
+            <a:ext cx="0" cy="792063"/>
+          </a:xfrm>
+          <a:prstGeom prst="straightConnector1">
+            <a:avLst/>
+          </a:prstGeom>
+          <a:ln>
+            <a:solidFill>
+              <a:schemeClr val="tx1"/>
+            </a:solidFill>
+            <a:tailEnd type="triangle"/>
+          </a:ln>
+        </p:spPr>
+        <p:style>
+          <a:lnRef idx="1">
+            <a:schemeClr val="accent1"/>
+          </a:lnRef>
+          <a:fillRef idx="0">
+            <a:schemeClr val="accent1"/>
+          </a:fillRef>
+          <a:effectRef idx="0">
+            <a:schemeClr val="accent1"/>
+          </a:effectRef>
+          <a:fontRef idx="minor">
+            <a:schemeClr val="tx1"/>
+          </a:fontRef>
+        </p:style>
+      </p:cxnSp>
+      <p:sp>
+        <p:nvSpPr>
+          <p:cNvPr id="22" name="Retângulo de cantos arredondados 21"/>
+          <p:cNvSpPr/>
+          <p:nvPr/>
+        </p:nvSpPr>
+        <p:spPr>
+          <a:xfrm>
+            <a:off x="3240213" y="5338973"/>
+            <a:ext cx="1184222" cy="586049"/>
+          </a:xfrm>
+          <a:prstGeom prst="roundRect">
+            <a:avLst/>
+          </a:prstGeom>
+          <a:noFill/>
+          <a:ln>
+            <a:solidFill>
+              <a:schemeClr val="tx1"/>
+            </a:solidFill>
+          </a:ln>
+        </p:spPr>
+        <p:style>
+          <a:lnRef idx="2">
+            <a:schemeClr val="accent1">
+              <a:shade val="50000"/>
+            </a:schemeClr>
+          </a:lnRef>
+          <a:fillRef idx="1">
+            <a:schemeClr val="accent1"/>
+          </a:fillRef>
+          <a:effectRef idx="0">
+            <a:schemeClr val="accent1"/>
+          </a:effectRef>
+          <a:fontRef idx="minor">
+            <a:schemeClr val="lt1"/>
+          </a:fontRef>
+        </p:style>
+        <p:txBody>
+          <a:bodyPr rtlCol="0" anchor="ctr"/>
+          <a:lstStyle/>
+          <a:p>
+            <a:pPr algn="ctr"/>
+            <a:endParaRPr lang="pt-BR"/>
+          </a:p>
+        </p:txBody>
+      </p:sp>
+      <p:sp>
+        <p:nvSpPr>
+          <p:cNvPr id="23" name="CaixaDeTexto 22"/>
+          <p:cNvSpPr txBox="1"/>
+          <p:nvPr/>
+        </p:nvSpPr>
+        <p:spPr>
+          <a:xfrm>
+            <a:off x="3328770" y="5430501"/>
+            <a:ext cx="1027144" cy="307777"/>
+          </a:xfrm>
+          <a:prstGeom prst="rect">
+            <a:avLst/>
+          </a:prstGeom>
+          <a:noFill/>
+        </p:spPr>
+        <p:txBody>
+          <a:bodyPr wrap="square" rtlCol="0">
+            <a:spAutoFit/>
+          </a:bodyPr>
+          <a:lstStyle/>
+          <a:p>
+            <a:pPr algn="ctr"/>
+            <a:r>
+              <a:rPr lang="pt-BR" sz="1400" dirty="0" smtClean="0">
+                <a:latin typeface="Arial" panose="020B0604020202020204" pitchFamily="34" charset="0"/>
+                <a:cs typeface="Arial" panose="020B0604020202020204" pitchFamily="34" charset="0"/>
+              </a:rPr>
+              <a:t>Verificado</a:t>
+            </a:r>
+          </a:p>
+        </p:txBody>
+      </p:sp>
+      <p:cxnSp>
+        <p:nvCxnSpPr>
+          <p:cNvPr id="24" name="Conector angulado 23"/>
+          <p:cNvCxnSpPr>
+            <a:stCxn id="11" idx="1"/>
+            <a:endCxn id="22" idx="1"/>
+          </p:cNvCxnSpPr>
+          <p:nvPr/>
+        </p:nvCxnSpPr>
+        <p:spPr>
+          <a:xfrm rot="10800000" flipV="1">
+            <a:off x="3240213" y="4895026"/>
+            <a:ext cx="2169870" cy="736971"/>
+          </a:xfrm>
+          <a:prstGeom prst="bentConnector3">
+            <a:avLst>
+              <a:gd name="adj1" fmla="val 110535"/>
+            </a:avLst>
+          </a:prstGeom>
+          <a:ln>
+            <a:solidFill>
+              <a:schemeClr val="tx1"/>
+            </a:solidFill>
+            <a:tailEnd type="triangle"/>
+          </a:ln>
+        </p:spPr>
+        <p:style>
+          <a:lnRef idx="1">
+            <a:schemeClr val="accent1"/>
+          </a:lnRef>
+          <a:fillRef idx="0">
+            <a:schemeClr val="accent1"/>
+          </a:fillRef>
+          <a:effectRef idx="0">
+            <a:schemeClr val="accent1"/>
+          </a:effectRef>
+          <a:fontRef idx="minor">
+            <a:schemeClr val="tx1"/>
+          </a:fontRef>
+        </p:style>
+      </p:cxnSp>
+      <p:cxnSp>
+        <p:nvCxnSpPr>
+          <p:cNvPr id="26" name="Conector de seta reta 25"/>
+          <p:cNvCxnSpPr>
+            <a:stCxn id="9" idx="2"/>
+            <a:endCxn id="11" idx="0"/>
+          </p:cNvCxnSpPr>
+          <p:nvPr/>
+        </p:nvCxnSpPr>
+        <p:spPr>
+          <a:xfrm>
+            <a:off x="5503757" y="4122323"/>
+            <a:ext cx="3762" cy="626192"/>
+          </a:xfrm>
+          <a:prstGeom prst="straightConnector1">
+            <a:avLst/>
+          </a:prstGeom>
+          <a:ln>
+            <a:solidFill>
+              <a:schemeClr val="tx1"/>
+            </a:solidFill>
+            <a:tailEnd type="triangle"/>
+          </a:ln>
+        </p:spPr>
+        <p:style>
+          <a:lnRef idx="1">
+            <a:schemeClr val="accent1"/>
+          </a:lnRef>
+          <a:fillRef idx="0">
+            <a:schemeClr val="accent1"/>
+          </a:fillRef>
+          <a:effectRef idx="0">
+            <a:schemeClr val="accent1"/>
+          </a:effectRef>
+          <a:fontRef idx="minor">
+            <a:schemeClr val="tx1"/>
+          </a:fontRef>
+        </p:style>
+      </p:cxnSp>
+      <p:sp>
+        <p:nvSpPr>
+          <p:cNvPr id="27" name="CaixaDeTexto 26"/>
+          <p:cNvSpPr txBox="1"/>
+          <p:nvPr/>
+        </p:nvSpPr>
+        <p:spPr>
+          <a:xfrm>
+            <a:off x="8902779" y="6586227"/>
+            <a:ext cx="1611698" cy="307777"/>
+          </a:xfrm>
+          <a:prstGeom prst="rect">
+            <a:avLst/>
+          </a:prstGeom>
+          <a:noFill/>
+        </p:spPr>
+        <p:txBody>
+          <a:bodyPr wrap="square" rtlCol="0">
+            <a:spAutoFit/>
+          </a:bodyPr>
+          <a:lstStyle/>
+          <a:p>
+            <a:pPr algn="ctr"/>
+            <a:r>
+              <a:rPr lang="pt-BR" sz="1400" dirty="0" smtClean="0">
+                <a:latin typeface="Arial" panose="020B0604020202020204" pitchFamily="34" charset="0"/>
+                <a:cs typeface="Arial" panose="020B0604020202020204" pitchFamily="34" charset="0"/>
+              </a:rPr>
+              <a:t>Finalizado</a:t>
+            </a:r>
+          </a:p>
+        </p:txBody>
+      </p:sp>
+      <p:sp>
+        <p:nvSpPr>
+          <p:cNvPr id="8" name="Retângulo 7"/>
+          <p:cNvSpPr/>
+          <p:nvPr/>
+        </p:nvSpPr>
+        <p:spPr>
+          <a:xfrm>
+            <a:off x="4303958" y="2703946"/>
+            <a:ext cx="2601994" cy="307777"/>
+          </a:xfrm>
+          <a:prstGeom prst="rect">
+            <a:avLst/>
+          </a:prstGeom>
+          <a:solidFill>
+            <a:schemeClr val="bg1"/>
+          </a:solidFill>
+        </p:spPr>
+        <p:txBody>
+          <a:bodyPr wrap="none">
+            <a:spAutoFit/>
+          </a:bodyPr>
+          <a:lstStyle/>
+          <a:p>
+            <a:r>
+              <a:rPr lang="pt-BR" sz="1400" dirty="0" smtClean="0">
+                <a:latin typeface="Arial" panose="020B0604020202020204" pitchFamily="34" charset="0"/>
+                <a:cs typeface="Arial" panose="020B0604020202020204" pitchFamily="34" charset="0"/>
+              </a:rPr>
+              <a:t>Atendente verifica encomenda</a:t>
+            </a:r>
+            <a:endParaRPr lang="pt-BR" sz="1400" dirty="0">
+              <a:latin typeface="Arial" panose="020B0604020202020204" pitchFamily="34" charset="0"/>
+              <a:cs typeface="Arial" panose="020B0604020202020204" pitchFamily="34" charset="0"/>
+            </a:endParaRPr>
+          </a:p>
+        </p:txBody>
+      </p:sp>
+      <p:sp>
+        <p:nvSpPr>
+          <p:cNvPr id="32" name="Retângulo de cantos arredondados 31"/>
+          <p:cNvSpPr/>
+          <p:nvPr/>
+        </p:nvSpPr>
+        <p:spPr>
+          <a:xfrm>
+            <a:off x="7097471" y="5336648"/>
+            <a:ext cx="1184222" cy="586049"/>
+          </a:xfrm>
+          <a:prstGeom prst="roundRect">
+            <a:avLst/>
+          </a:prstGeom>
+          <a:noFill/>
+          <a:ln>
+            <a:solidFill>
+              <a:schemeClr val="tx1"/>
+            </a:solidFill>
+          </a:ln>
+        </p:spPr>
+        <p:style>
+          <a:lnRef idx="2">
+            <a:schemeClr val="accent1">
+              <a:shade val="50000"/>
+            </a:schemeClr>
+          </a:lnRef>
+          <a:fillRef idx="1">
+            <a:schemeClr val="accent1"/>
+          </a:fillRef>
+          <a:effectRef idx="0">
+            <a:schemeClr val="accent1"/>
+          </a:effectRef>
+          <a:fontRef idx="minor">
+            <a:schemeClr val="lt1"/>
+          </a:fontRef>
+        </p:style>
+        <p:txBody>
+          <a:bodyPr rtlCol="0" anchor="ctr"/>
+          <a:lstStyle/>
+          <a:p>
+            <a:pPr algn="ctr"/>
+            <a:endParaRPr lang="pt-BR"/>
+          </a:p>
+        </p:txBody>
+      </p:sp>
+      <p:sp>
+        <p:nvSpPr>
+          <p:cNvPr id="33" name="CaixaDeTexto 32"/>
+          <p:cNvSpPr txBox="1"/>
+          <p:nvPr/>
+        </p:nvSpPr>
+        <p:spPr>
+          <a:xfrm>
+            <a:off x="7186028" y="5428176"/>
+            <a:ext cx="1027144" cy="307777"/>
+          </a:xfrm>
+          <a:prstGeom prst="rect">
+            <a:avLst/>
+          </a:prstGeom>
+          <a:noFill/>
+        </p:spPr>
+        <p:txBody>
+          <a:bodyPr wrap="square" rtlCol="0">
+            <a:spAutoFit/>
+          </a:bodyPr>
+          <a:lstStyle/>
+          <a:p>
+            <a:pPr algn="ctr"/>
+            <a:r>
+              <a:rPr lang="pt-BR" sz="1400" dirty="0" smtClean="0">
+                <a:latin typeface="Arial" panose="020B0604020202020204" pitchFamily="34" charset="0"/>
+                <a:cs typeface="Arial" panose="020B0604020202020204" pitchFamily="34" charset="0"/>
+              </a:rPr>
+              <a:t>Verificado</a:t>
+            </a:r>
+          </a:p>
+        </p:txBody>
+      </p:sp>
+      <p:cxnSp>
+        <p:nvCxnSpPr>
+          <p:cNvPr id="35" name="Conector angulado 34"/>
+          <p:cNvCxnSpPr>
+            <a:stCxn id="11" idx="3"/>
+            <a:endCxn id="32" idx="0"/>
+          </p:cNvCxnSpPr>
+          <p:nvPr/>
+        </p:nvCxnSpPr>
+        <p:spPr>
+          <a:xfrm>
+            <a:off x="5604955" y="4895027"/>
+            <a:ext cx="2084627" cy="441621"/>
+          </a:xfrm>
+          <a:prstGeom prst="bentConnector2">
+            <a:avLst/>
+          </a:prstGeom>
+          <a:ln>
+            <a:solidFill>
+              <a:schemeClr val="tx1"/>
+            </a:solidFill>
+            <a:tailEnd type="triangle"/>
+          </a:ln>
+        </p:spPr>
+        <p:style>
+          <a:lnRef idx="1">
+            <a:schemeClr val="accent1"/>
+          </a:lnRef>
+          <a:fillRef idx="0">
+            <a:schemeClr val="accent1"/>
+          </a:fillRef>
+          <a:effectRef idx="0">
+            <a:schemeClr val="accent1"/>
+          </a:effectRef>
+          <a:fontRef idx="minor">
+            <a:schemeClr val="tx1"/>
+          </a:fontRef>
+        </p:style>
+      </p:cxnSp>
+      <p:sp>
+        <p:nvSpPr>
+          <p:cNvPr id="39" name="Retângulo de cantos arredondados 38"/>
+          <p:cNvSpPr/>
+          <p:nvPr/>
+        </p:nvSpPr>
+        <p:spPr>
+          <a:xfrm>
+            <a:off x="7097471" y="6179480"/>
+            <a:ext cx="1184222" cy="406746"/>
+          </a:xfrm>
+          <a:prstGeom prst="roundRect">
+            <a:avLst/>
+          </a:prstGeom>
+          <a:noFill/>
+          <a:ln>
+            <a:solidFill>
+              <a:schemeClr val="tx1"/>
+            </a:solidFill>
+          </a:ln>
+        </p:spPr>
+        <p:style>
+          <a:lnRef idx="2">
+            <a:schemeClr val="accent1">
+              <a:shade val="50000"/>
+            </a:schemeClr>
+          </a:lnRef>
+          <a:fillRef idx="1">
+            <a:schemeClr val="accent1"/>
+          </a:fillRef>
+          <a:effectRef idx="0">
+            <a:schemeClr val="accent1"/>
+          </a:effectRef>
+          <a:fontRef idx="minor">
+            <a:schemeClr val="lt1"/>
+          </a:fontRef>
+        </p:style>
+        <p:txBody>
+          <a:bodyPr rtlCol="0" anchor="ctr"/>
+          <a:lstStyle/>
+          <a:p>
+            <a:pPr algn="ctr"/>
+            <a:endParaRPr lang="pt-BR"/>
+          </a:p>
+        </p:txBody>
+      </p:sp>
+      <p:sp>
+        <p:nvSpPr>
+          <p:cNvPr id="40" name="CaixaDeTexto 39"/>
+          <p:cNvSpPr txBox="1"/>
+          <p:nvPr/>
+        </p:nvSpPr>
+        <p:spPr>
+          <a:xfrm>
+            <a:off x="6842637" y="6183076"/>
+            <a:ext cx="1693889" cy="307777"/>
+          </a:xfrm>
+          <a:prstGeom prst="rect">
+            <a:avLst/>
+          </a:prstGeom>
+          <a:noFill/>
+        </p:spPr>
+        <p:txBody>
+          <a:bodyPr wrap="square" rtlCol="0">
+            <a:spAutoFit/>
+          </a:bodyPr>
+          <a:lstStyle/>
+          <a:p>
+            <a:pPr algn="ctr"/>
+            <a:r>
+              <a:rPr lang="pt-BR" sz="1400" dirty="0" smtClean="0">
+                <a:latin typeface="Arial" panose="020B0604020202020204" pitchFamily="34" charset="0"/>
+                <a:cs typeface="Arial" panose="020B0604020202020204" pitchFamily="34" charset="0"/>
+              </a:rPr>
+              <a:t>Concluído</a:t>
+            </a:r>
+          </a:p>
+        </p:txBody>
+      </p:sp>
+      <p:cxnSp>
+        <p:nvCxnSpPr>
+          <p:cNvPr id="42" name="Conector de seta reta 41"/>
+          <p:cNvCxnSpPr>
+            <a:stCxn id="32" idx="2"/>
+            <a:endCxn id="39" idx="0"/>
+          </p:cNvCxnSpPr>
+          <p:nvPr/>
+        </p:nvCxnSpPr>
+        <p:spPr>
+          <a:xfrm>
+            <a:off x="7689582" y="5922697"/>
+            <a:ext cx="0" cy="256783"/>
+          </a:xfrm>
+          <a:prstGeom prst="straightConnector1">
+            <a:avLst/>
+          </a:prstGeom>
+          <a:ln>
+            <a:solidFill>
+              <a:schemeClr val="tx1"/>
+            </a:solidFill>
+            <a:tailEnd type="triangle"/>
+          </a:ln>
+        </p:spPr>
+        <p:style>
+          <a:lnRef idx="1">
+            <a:schemeClr val="accent1"/>
+          </a:lnRef>
+          <a:fillRef idx="0">
+            <a:schemeClr val="accent1"/>
+          </a:fillRef>
+          <a:effectRef idx="0">
+            <a:schemeClr val="accent1"/>
+          </a:effectRef>
+          <a:fontRef idx="minor">
+            <a:schemeClr val="tx1"/>
+          </a:fontRef>
+        </p:style>
+      </p:cxnSp>
+      <p:cxnSp>
+        <p:nvCxnSpPr>
+          <p:cNvPr id="45" name="Conector de seta reta 44"/>
+          <p:cNvCxnSpPr>
+            <a:endCxn id="18" idx="2"/>
+          </p:cNvCxnSpPr>
+          <p:nvPr/>
+        </p:nvCxnSpPr>
+        <p:spPr>
+          <a:xfrm>
+            <a:off x="8281693" y="6382853"/>
+            <a:ext cx="1224568" cy="1"/>
+          </a:xfrm>
+          <a:prstGeom prst="straightConnector1">
+            <a:avLst/>
+          </a:prstGeom>
+          <a:ln>
+            <a:solidFill>
+              <a:schemeClr val="tx1"/>
+            </a:solidFill>
+            <a:tailEnd type="triangle"/>
+          </a:ln>
+        </p:spPr>
+        <p:style>
+          <a:lnRef idx="1">
+            <a:schemeClr val="accent1"/>
+          </a:lnRef>
+          <a:fillRef idx="0">
+            <a:schemeClr val="accent1"/>
+          </a:fillRef>
+          <a:effectRef idx="0">
+            <a:schemeClr val="accent1"/>
+          </a:effectRef>
+          <a:fontRef idx="minor">
+            <a:schemeClr val="tx1"/>
+          </a:fontRef>
+        </p:style>
+      </p:cxnSp>
+      <p:cxnSp>
+        <p:nvCxnSpPr>
+          <p:cNvPr id="47" name="Conector de seta reta 46"/>
+          <p:cNvCxnSpPr>
+            <a:stCxn id="22" idx="2"/>
+          </p:cNvCxnSpPr>
+          <p:nvPr/>
+        </p:nvCxnSpPr>
+        <p:spPr>
+          <a:xfrm>
+            <a:off x="3832324" y="5925022"/>
+            <a:ext cx="10018" cy="268141"/>
+          </a:xfrm>
+          <a:prstGeom prst="straightConnector1">
+            <a:avLst/>
+          </a:prstGeom>
+          <a:ln>
+            <a:solidFill>
+              <a:schemeClr val="tx1"/>
+            </a:solidFill>
+            <a:tailEnd type="triangle"/>
+          </a:ln>
+        </p:spPr>
+        <p:style>
+          <a:lnRef idx="1">
+            <a:schemeClr val="accent1"/>
+          </a:lnRef>
+          <a:fillRef idx="0">
+            <a:schemeClr val="accent1"/>
+          </a:fillRef>
+          <a:effectRef idx="0">
+            <a:schemeClr val="accent1"/>
+          </a:effectRef>
+          <a:fontRef idx="minor">
+            <a:schemeClr val="tx1"/>
+          </a:fontRef>
+        </p:style>
+      </p:cxnSp>
+      <p:sp>
+        <p:nvSpPr>
+          <p:cNvPr id="49" name="Elipse 48"/>
+          <p:cNvSpPr/>
+          <p:nvPr/>
+        </p:nvSpPr>
+        <p:spPr>
+          <a:xfrm>
+            <a:off x="1364878" y="6123874"/>
+            <a:ext cx="404735" cy="434715"/>
+          </a:xfrm>
+          <a:prstGeom prst="ellipse">
+            <a:avLst/>
+          </a:prstGeom>
+          <a:solidFill>
+            <a:schemeClr val="bg1"/>
+          </a:solidFill>
+          <a:ln>
+            <a:solidFill>
+              <a:schemeClr val="tx1"/>
+            </a:solidFill>
+          </a:ln>
+        </p:spPr>
+        <p:style>
+          <a:lnRef idx="2">
+            <a:schemeClr val="accent1">
+              <a:shade val="50000"/>
+            </a:schemeClr>
+          </a:lnRef>
+          <a:fillRef idx="1">
+            <a:schemeClr val="accent1"/>
+          </a:fillRef>
+          <a:effectRef idx="0">
+            <a:schemeClr val="accent1"/>
+          </a:effectRef>
+          <a:fontRef idx="minor">
+            <a:schemeClr val="lt1"/>
+          </a:fontRef>
+        </p:style>
+        <p:txBody>
+          <a:bodyPr rtlCol="0" anchor="ctr"/>
+          <a:lstStyle/>
+          <a:p>
+            <a:pPr algn="ctr"/>
+            <a:endParaRPr lang="pt-BR"/>
+          </a:p>
+        </p:txBody>
+      </p:sp>
+      <p:sp>
+        <p:nvSpPr>
+          <p:cNvPr id="50" name="Elipse 49"/>
+          <p:cNvSpPr/>
+          <p:nvPr/>
+        </p:nvSpPr>
+        <p:spPr>
+          <a:xfrm>
+            <a:off x="1459245" y="6233231"/>
+            <a:ext cx="216000" cy="216000"/>
+          </a:xfrm>
+          <a:prstGeom prst="ellipse">
+            <a:avLst/>
+          </a:prstGeom>
+          <a:solidFill>
+            <a:schemeClr val="tx1"/>
+          </a:solidFill>
+          <a:ln>
+            <a:solidFill>
+              <a:schemeClr val="tx1"/>
+            </a:solidFill>
+          </a:ln>
+        </p:spPr>
+        <p:style>
+          <a:lnRef idx="2">
+            <a:schemeClr val="accent1">
+              <a:shade val="50000"/>
+            </a:schemeClr>
+          </a:lnRef>
+          <a:fillRef idx="1">
+            <a:schemeClr val="accent1"/>
+          </a:fillRef>
+          <a:effectRef idx="0">
+            <a:schemeClr val="accent1"/>
+          </a:effectRef>
+          <a:fontRef idx="minor">
+            <a:schemeClr val="lt1"/>
+          </a:fontRef>
+        </p:style>
+        <p:txBody>
+          <a:bodyPr rtlCol="0" anchor="ctr"/>
+          <a:lstStyle/>
+          <a:p>
+            <a:pPr algn="ctr"/>
+            <a:endParaRPr lang="pt-BR"/>
+          </a:p>
+        </p:txBody>
+      </p:sp>
+      <p:sp>
+        <p:nvSpPr>
+          <p:cNvPr id="51" name="CaixaDeTexto 50"/>
+          <p:cNvSpPr txBox="1"/>
+          <p:nvPr/>
+        </p:nvSpPr>
+        <p:spPr>
+          <a:xfrm>
+            <a:off x="761396" y="6544605"/>
+            <a:ext cx="1611698" cy="307777"/>
+          </a:xfrm>
+          <a:prstGeom prst="rect">
+            <a:avLst/>
+          </a:prstGeom>
+          <a:noFill/>
+        </p:spPr>
+        <p:txBody>
+          <a:bodyPr wrap="square" rtlCol="0">
+            <a:spAutoFit/>
+          </a:bodyPr>
+          <a:lstStyle/>
+          <a:p>
+            <a:pPr algn="ctr"/>
+            <a:r>
+              <a:rPr lang="pt-BR" sz="1400" dirty="0" smtClean="0">
+                <a:latin typeface="Arial" panose="020B0604020202020204" pitchFamily="34" charset="0"/>
+                <a:cs typeface="Arial" panose="020B0604020202020204" pitchFamily="34" charset="0"/>
+              </a:rPr>
+              <a:t>Finalizado</a:t>
+            </a:r>
+          </a:p>
+        </p:txBody>
+      </p:sp>
+      <p:cxnSp>
+        <p:nvCxnSpPr>
+          <p:cNvPr id="54" name="Conector de seta reta 53"/>
+          <p:cNvCxnSpPr>
+            <a:stCxn id="15" idx="1"/>
+            <a:endCxn id="49" idx="6"/>
+          </p:cNvCxnSpPr>
+          <p:nvPr/>
+        </p:nvCxnSpPr>
+        <p:spPr>
+          <a:xfrm flipH="1" flipV="1">
+            <a:off x="1769613" y="6341232"/>
+            <a:ext cx="1508385" cy="35800"/>
+          </a:xfrm>
+          <a:prstGeom prst="straightConnector1">
+            <a:avLst/>
+          </a:prstGeom>
+          <a:ln>
+            <a:solidFill>
+              <a:schemeClr val="tx1"/>
+            </a:solidFill>
+            <a:tailEnd type="triangle"/>
+          </a:ln>
+        </p:spPr>
+        <p:style>
+          <a:lnRef idx="1">
+            <a:schemeClr val="accent1"/>
+          </a:lnRef>
+          <a:fillRef idx="0">
+            <a:schemeClr val="accent1"/>
+          </a:fillRef>
+          <a:effectRef idx="0">
+            <a:schemeClr val="accent1"/>
+          </a:effectRef>
+          <a:fontRef idx="minor">
+            <a:schemeClr val="tx1"/>
+          </a:fontRef>
+        </p:style>
+      </p:cxnSp>
+    </p:spTree>
+    <p:extLst>
+      <p:ext uri="{BB962C8B-B14F-4D97-AF65-F5344CB8AC3E}">
+        <p14:creationId xmlns:p14="http://schemas.microsoft.com/office/powerpoint/2010/main" val="2418172993"/>
       </p:ext>
     </p:extLst>
   </p:cSld>
